--- a/marcos_fabietti_Predicting_A&E_Demand.pptx
+++ b/marcos_fabietti_Predicting_A&E_Demand.pptx
@@ -883,7 +883,16 @@
     </dgm:pt>
     <dgm:pt modelId="{C32BD299-319F-4430-9A88-61AE756DD053}">
       <dgm:prSet/>
-      <dgm:spPr/>
+      <dgm:spPr>
+        <a:solidFill>
+          <a:srgbClr val="215F9A"/>
+        </a:solidFill>
+        <a:ln>
+          <a:solidFill>
+            <a:srgbClr val="215F9A"/>
+          </a:solidFill>
+        </a:ln>
+      </dgm:spPr>
       <dgm:t>
         <a:bodyPr/>
         <a:lstStyle/>
@@ -956,7 +965,11 @@
     </dgm:pt>
     <dgm:pt modelId="{3C99CA6E-3E92-4624-857D-68CA6984BDC0}">
       <dgm:prSet/>
-      <dgm:spPr/>
+      <dgm:spPr>
+        <a:solidFill>
+          <a:srgbClr val="215F9A"/>
+        </a:solidFill>
+      </dgm:spPr>
       <dgm:t>
         <a:bodyPr/>
         <a:lstStyle/>
@@ -1029,7 +1042,11 @@
     </dgm:pt>
     <dgm:pt modelId="{CE92655D-40C8-4DAF-B077-27F5D78195B1}">
       <dgm:prSet/>
-      <dgm:spPr/>
+      <dgm:spPr>
+        <a:solidFill>
+          <a:srgbClr val="215F9A"/>
+        </a:solidFill>
+      </dgm:spPr>
       <dgm:t>
         <a:bodyPr/>
         <a:lstStyle/>
@@ -1102,7 +1119,11 @@
     </dgm:pt>
     <dgm:pt modelId="{587FEFFC-AAE3-41B7-8D4D-432CB055834C}">
       <dgm:prSet/>
-      <dgm:spPr/>
+      <dgm:spPr>
+        <a:solidFill>
+          <a:srgbClr val="215F9A"/>
+        </a:solidFill>
+      </dgm:spPr>
       <dgm:t>
         <a:bodyPr/>
         <a:lstStyle/>
@@ -1175,7 +1196,11 @@
     </dgm:pt>
     <dgm:pt modelId="{A0152CD0-D886-4513-AA4B-2EB382ED7EE1}">
       <dgm:prSet/>
-      <dgm:spPr/>
+      <dgm:spPr>
+        <a:solidFill>
+          <a:srgbClr val="215F9A"/>
+        </a:solidFill>
+      </dgm:spPr>
       <dgm:t>
         <a:bodyPr/>
         <a:lstStyle/>
@@ -1248,7 +1273,11 @@
     </dgm:pt>
     <dgm:pt modelId="{7E9A53E0-AF94-4DC2-9D22-EF88A76222B0}">
       <dgm:prSet/>
-      <dgm:spPr/>
+      <dgm:spPr>
+        <a:solidFill>
+          <a:srgbClr val="215F9A"/>
+        </a:solidFill>
+      </dgm:spPr>
       <dgm:t>
         <a:bodyPr/>
         <a:lstStyle/>
@@ -1502,21 +1531,11 @@
           <a:avLst/>
         </a:prstGeom>
         <a:solidFill>
-          <a:schemeClr val="accent1">
-            <a:hueOff val="0"/>
-            <a:satOff val="0"/>
-            <a:lumOff val="0"/>
-            <a:alphaOff val="0"/>
-          </a:schemeClr>
+          <a:srgbClr val="215F9A"/>
         </a:solidFill>
         <a:ln w="19050" cap="flat" cmpd="sng" algn="ctr">
           <a:solidFill>
-            <a:schemeClr val="lt1">
-              <a:hueOff val="0"/>
-              <a:satOff val="0"/>
-              <a:lumOff val="0"/>
-              <a:alphaOff val="0"/>
-            </a:schemeClr>
+            <a:srgbClr val="215F9A"/>
           </a:solidFill>
           <a:prstDash val="solid"/>
           <a:miter lim="800000"/>
@@ -1641,12 +1660,7 @@
           <a:avLst/>
         </a:prstGeom>
         <a:solidFill>
-          <a:schemeClr val="accent1">
-            <a:hueOff val="0"/>
-            <a:satOff val="0"/>
-            <a:lumOff val="0"/>
-            <a:alphaOff val="0"/>
-          </a:schemeClr>
+          <a:srgbClr val="215F9A"/>
         </a:solidFill>
         <a:ln w="19050" cap="flat" cmpd="sng" algn="ctr">
           <a:solidFill>
@@ -1780,12 +1794,7 @@
           <a:avLst/>
         </a:prstGeom>
         <a:solidFill>
-          <a:schemeClr val="accent1">
-            <a:hueOff val="0"/>
-            <a:satOff val="0"/>
-            <a:lumOff val="0"/>
-            <a:alphaOff val="0"/>
-          </a:schemeClr>
+          <a:srgbClr val="215F9A"/>
         </a:solidFill>
         <a:ln w="19050" cap="flat" cmpd="sng" algn="ctr">
           <a:solidFill>
@@ -1919,12 +1928,7 @@
           <a:avLst/>
         </a:prstGeom>
         <a:solidFill>
-          <a:schemeClr val="accent1">
-            <a:hueOff val="0"/>
-            <a:satOff val="0"/>
-            <a:lumOff val="0"/>
-            <a:alphaOff val="0"/>
-          </a:schemeClr>
+          <a:srgbClr val="215F9A"/>
         </a:solidFill>
         <a:ln w="19050" cap="flat" cmpd="sng" algn="ctr">
           <a:solidFill>
@@ -2058,12 +2062,7 @@
           <a:avLst/>
         </a:prstGeom>
         <a:solidFill>
-          <a:schemeClr val="accent1">
-            <a:hueOff val="0"/>
-            <a:satOff val="0"/>
-            <a:lumOff val="0"/>
-            <a:alphaOff val="0"/>
-          </a:schemeClr>
+          <a:srgbClr val="215F9A"/>
         </a:solidFill>
         <a:ln w="19050" cap="flat" cmpd="sng" algn="ctr">
           <a:solidFill>
@@ -2197,12 +2196,7 @@
           <a:avLst/>
         </a:prstGeom>
         <a:solidFill>
-          <a:schemeClr val="accent1">
-            <a:hueOff val="0"/>
-            <a:satOff val="0"/>
-            <a:lumOff val="0"/>
-            <a:alphaOff val="0"/>
-          </a:schemeClr>
+          <a:srgbClr val="215F9A"/>
         </a:solidFill>
         <a:ln w="19050" cap="flat" cmpd="sng" algn="ctr">
           <a:solidFill>
@@ -11054,6 +11048,11 @@
           <a:prstGeom prst="rect">
             <a:avLst/>
           </a:prstGeom>
+          <a:ln>
+            <a:solidFill>
+              <a:srgbClr val="215F9A"/>
+            </a:solidFill>
+          </a:ln>
         </p:spPr>
       </p:pic>
       <p:cxnSp>
@@ -11414,7 +11413,7 @@
           <p:nvPr>
             <p:extLst>
               <p:ext uri="{D42A27DB-BD31-4B8C-83A1-F6EECF244321}">
-                <p14:modId xmlns:p14="http://schemas.microsoft.com/office/powerpoint/2010/main" val="3325704053"/>
+                <p14:modId xmlns:p14="http://schemas.microsoft.com/office/powerpoint/2010/main" val="3370402846"/>
               </p:ext>
             </p:extLst>
           </p:nvPr>
@@ -11686,7 +11685,7 @@
         </p:blipFill>
         <p:spPr bwMode="auto">
           <a:xfrm>
-            <a:off x="5385816" y="1553604"/>
+            <a:off x="5385814" y="498487"/>
             <a:ext cx="6680198" cy="4288231"/>
           </a:xfrm>
           <a:prstGeom prst="rect">
@@ -11718,7 +11717,7 @@
         </p:nvSpPr>
         <p:spPr>
           <a:xfrm>
-            <a:off x="7338904" y="5887314"/>
+            <a:off x="7338902" y="4785679"/>
             <a:ext cx="2774021" cy="307777"/>
           </a:xfrm>
           <a:prstGeom prst="rect">
@@ -11735,7 +11734,6 @@
             <a:r>
               <a:rPr lang="en-GB" sz="1400" b="0" i="0" noProof="0" dirty="0">
                 <a:effectLst/>
-                <a:latin typeface="Source Sans Pro" panose="020B0503030403020204" pitchFamily="34" charset="0"/>
               </a:rPr>
               <a:t>Monte Carlo Simulation Forecast</a:t>
             </a:r>
@@ -11743,6 +11741,1370 @@
           </a:p>
         </p:txBody>
       </p:sp>
+      <p:sp>
+        <p:nvSpPr>
+          <p:cNvPr id="5" name="TextBox 4">
+            <a:extLst>
+              <a:ext uri="{FF2B5EF4-FFF2-40B4-BE49-F238E27FC236}">
+                <a16:creationId xmlns:a16="http://schemas.microsoft.com/office/drawing/2014/main" id="{821581D3-D64B-A221-55B2-824014902EE5}"/>
+              </a:ext>
+            </a:extLst>
+          </p:cNvPr>
+          <p:cNvSpPr txBox="1"/>
+          <p:nvPr/>
+        </p:nvSpPr>
+        <p:spPr>
+          <a:xfrm>
+            <a:off x="5385816" y="6195315"/>
+            <a:ext cx="6680196" cy="523220"/>
+          </a:xfrm>
+          <a:prstGeom prst="rect">
+            <a:avLst/>
+          </a:prstGeom>
+          <a:noFill/>
+        </p:spPr>
+        <p:txBody>
+          <a:bodyPr wrap="square" rtlCol="0">
+            <a:spAutoFit/>
+          </a:bodyPr>
+          <a:lstStyle/>
+          <a:p>
+            <a:pPr algn="ctr"/>
+            <a:r>
+              <a:rPr lang="en-US" sz="1400" dirty="0"/>
+              <a:t>Projected percentage increase in yearly A&amp;E attendances from the 2024 baseline (220,000) under optimistic, neutral, and pessimistic scenarios.</a:t>
+            </a:r>
+            <a:endParaRPr lang="en-GB" sz="1400" noProof="0" dirty="0"/>
+          </a:p>
+        </p:txBody>
+      </p:sp>
+      <p:graphicFrame>
+        <p:nvGraphicFramePr>
+          <p:cNvPr id="9" name="Table 8">
+            <a:extLst>
+              <a:ext uri="{FF2B5EF4-FFF2-40B4-BE49-F238E27FC236}">
+                <a16:creationId xmlns:a16="http://schemas.microsoft.com/office/drawing/2014/main" id="{82EDA100-D093-945B-CDFB-005486E072F9}"/>
+              </a:ext>
+            </a:extLst>
+          </p:cNvPr>
+          <p:cNvGraphicFramePr>
+            <a:graphicFrameLocks noGrp="1"/>
+          </p:cNvGraphicFramePr>
+          <p:nvPr>
+            <p:extLst>
+              <p:ext uri="{D42A27DB-BD31-4B8C-83A1-F6EECF244321}">
+                <p14:modId xmlns:p14="http://schemas.microsoft.com/office/powerpoint/2010/main" val="492188996"/>
+              </p:ext>
+            </p:extLst>
+          </p:nvPr>
+        </p:nvGraphicFramePr>
+        <p:xfrm>
+          <a:off x="5435464" y="5198615"/>
+          <a:ext cx="6580896" cy="891540"/>
+        </p:xfrm>
+        <a:graphic>
+          <a:graphicData uri="http://schemas.openxmlformats.org/drawingml/2006/table">
+            <a:tbl>
+              <a:tblPr/>
+              <a:tblGrid>
+                <a:gridCol w="2156867">
+                  <a:extLst>
+                    <a:ext uri="{9D8B030D-6E8A-4147-A177-3AD203B41FA5}">
+                      <a16:colId xmlns:a16="http://schemas.microsoft.com/office/drawing/2014/main" val="1562075647"/>
+                    </a:ext>
+                  </a:extLst>
+                </a:gridCol>
+                <a:gridCol w="1164218">
+                  <a:extLst>
+                    <a:ext uri="{9D8B030D-6E8A-4147-A177-3AD203B41FA5}">
+                      <a16:colId xmlns:a16="http://schemas.microsoft.com/office/drawing/2014/main" val="4069283485"/>
+                    </a:ext>
+                  </a:extLst>
+                </a:gridCol>
+                <a:gridCol w="1017159">
+                  <a:extLst>
+                    <a:ext uri="{9D8B030D-6E8A-4147-A177-3AD203B41FA5}">
+                      <a16:colId xmlns:a16="http://schemas.microsoft.com/office/drawing/2014/main" val="1085439831"/>
+                    </a:ext>
+                  </a:extLst>
+                </a:gridCol>
+                <a:gridCol w="1078434">
+                  <a:extLst>
+                    <a:ext uri="{9D8B030D-6E8A-4147-A177-3AD203B41FA5}">
+                      <a16:colId xmlns:a16="http://schemas.microsoft.com/office/drawing/2014/main" val="988732765"/>
+                    </a:ext>
+                  </a:extLst>
+                </a:gridCol>
+                <a:gridCol w="1164218">
+                  <a:extLst>
+                    <a:ext uri="{9D8B030D-6E8A-4147-A177-3AD203B41FA5}">
+                      <a16:colId xmlns:a16="http://schemas.microsoft.com/office/drawing/2014/main" val="3888170762"/>
+                    </a:ext>
+                  </a:extLst>
+                </a:gridCol>
+              </a:tblGrid>
+              <a:tr h="190500">
+                <a:tc>
+                  <a:txBody>
+                    <a:bodyPr/>
+                    <a:lstStyle/>
+                    <a:p>
+                      <a:pPr algn="ctr" fontAlgn="b"/>
+                      <a:r>
+                        <a:rPr lang="en-GB" sz="1400" b="1" i="0" u="none" strike="noStrike" dirty="0">
+                          <a:solidFill>
+                            <a:srgbClr val="FFFFFF"/>
+                          </a:solidFill>
+                          <a:effectLst/>
+                          <a:latin typeface="Aptos Narrow" panose="020B0004020202020204" pitchFamily="34" charset="0"/>
+                        </a:rPr>
+                        <a:t>Scenarios</a:t>
+                      </a:r>
+                    </a:p>
+                  </a:txBody>
+                  <a:tcPr marL="9525" marR="9525" marT="9525" marB="0" anchor="b">
+                    <a:lnL w="6350" cap="flat" cmpd="sng" algn="ctr">
+                      <a:solidFill>
+                        <a:srgbClr val="000000"/>
+                      </a:solidFill>
+                      <a:prstDash val="solid"/>
+                      <a:round/>
+                      <a:headEnd type="none" w="med" len="med"/>
+                      <a:tailEnd type="none" w="med" len="med"/>
+                    </a:lnL>
+                    <a:lnR w="6350" cap="flat" cmpd="sng" algn="ctr">
+                      <a:solidFill>
+                        <a:srgbClr val="000000"/>
+                      </a:solidFill>
+                      <a:prstDash val="solid"/>
+                      <a:round/>
+                      <a:headEnd type="none" w="med" len="med"/>
+                      <a:tailEnd type="none" w="med" len="med"/>
+                    </a:lnR>
+                    <a:lnT w="6350" cap="flat" cmpd="sng" algn="ctr">
+                      <a:solidFill>
+                        <a:srgbClr val="000000"/>
+                      </a:solidFill>
+                      <a:prstDash val="solid"/>
+                      <a:round/>
+                      <a:headEnd type="none" w="med" len="med"/>
+                      <a:tailEnd type="none" w="med" len="med"/>
+                    </a:lnT>
+                    <a:lnB w="6350" cap="flat" cmpd="sng" algn="ctr">
+                      <a:solidFill>
+                        <a:srgbClr val="000000"/>
+                      </a:solidFill>
+                      <a:prstDash val="solid"/>
+                      <a:round/>
+                      <a:headEnd type="none" w="med" len="med"/>
+                      <a:tailEnd type="none" w="med" len="med"/>
+                    </a:lnB>
+                    <a:solidFill>
+                      <a:srgbClr val="215F9A"/>
+                    </a:solidFill>
+                  </a:tcPr>
+                </a:tc>
+                <a:tc>
+                  <a:txBody>
+                    <a:bodyPr/>
+                    <a:lstStyle/>
+                    <a:p>
+                      <a:pPr algn="ctr" fontAlgn="b"/>
+                      <a:r>
+                        <a:rPr lang="en-GB" sz="1400" b="1" i="0" u="none" strike="noStrike" dirty="0">
+                          <a:solidFill>
+                            <a:srgbClr val="FFFFFF"/>
+                          </a:solidFill>
+                          <a:effectLst/>
+                          <a:latin typeface="Aptos Narrow" panose="020B0004020202020204" pitchFamily="34" charset="0"/>
+                        </a:rPr>
+                        <a:t>2025</a:t>
+                      </a:r>
+                    </a:p>
+                  </a:txBody>
+                  <a:tcPr marL="9525" marR="9525" marT="9525" marB="0" anchor="b">
+                    <a:lnL w="6350" cap="flat" cmpd="sng" algn="ctr">
+                      <a:solidFill>
+                        <a:srgbClr val="000000"/>
+                      </a:solidFill>
+                      <a:prstDash val="solid"/>
+                      <a:round/>
+                      <a:headEnd type="none" w="med" len="med"/>
+                      <a:tailEnd type="none" w="med" len="med"/>
+                    </a:lnL>
+                    <a:lnR w="6350" cap="flat" cmpd="sng" algn="ctr">
+                      <a:solidFill>
+                        <a:srgbClr val="000000"/>
+                      </a:solidFill>
+                      <a:prstDash val="solid"/>
+                      <a:round/>
+                      <a:headEnd type="none" w="med" len="med"/>
+                      <a:tailEnd type="none" w="med" len="med"/>
+                    </a:lnR>
+                    <a:lnT w="6350" cap="flat" cmpd="sng" algn="ctr">
+                      <a:solidFill>
+                        <a:srgbClr val="000000"/>
+                      </a:solidFill>
+                      <a:prstDash val="solid"/>
+                      <a:round/>
+                      <a:headEnd type="none" w="med" len="med"/>
+                      <a:tailEnd type="none" w="med" len="med"/>
+                    </a:lnT>
+                    <a:lnB w="6350" cap="flat" cmpd="sng" algn="ctr">
+                      <a:solidFill>
+                        <a:srgbClr val="000000"/>
+                      </a:solidFill>
+                      <a:prstDash val="solid"/>
+                      <a:round/>
+                      <a:headEnd type="none" w="med" len="med"/>
+                      <a:tailEnd type="none" w="med" len="med"/>
+                    </a:lnB>
+                    <a:solidFill>
+                      <a:srgbClr val="215F9A"/>
+                    </a:solidFill>
+                  </a:tcPr>
+                </a:tc>
+                <a:tc>
+                  <a:txBody>
+                    <a:bodyPr/>
+                    <a:lstStyle/>
+                    <a:p>
+                      <a:pPr algn="ctr" fontAlgn="b"/>
+                      <a:r>
+                        <a:rPr lang="en-GB" sz="1400" b="1" i="0" u="none" strike="noStrike" dirty="0">
+                          <a:solidFill>
+                            <a:srgbClr val="FFFFFF"/>
+                          </a:solidFill>
+                          <a:effectLst/>
+                          <a:latin typeface="Aptos Narrow" panose="020B0004020202020204" pitchFamily="34" charset="0"/>
+                        </a:rPr>
+                        <a:t>2030</a:t>
+                      </a:r>
+                    </a:p>
+                  </a:txBody>
+                  <a:tcPr marL="9525" marR="9525" marT="9525" marB="0" anchor="b">
+                    <a:lnL w="6350" cap="flat" cmpd="sng" algn="ctr">
+                      <a:solidFill>
+                        <a:srgbClr val="000000"/>
+                      </a:solidFill>
+                      <a:prstDash val="solid"/>
+                      <a:round/>
+                      <a:headEnd type="none" w="med" len="med"/>
+                      <a:tailEnd type="none" w="med" len="med"/>
+                    </a:lnL>
+                    <a:lnR w="6350" cap="flat" cmpd="sng" algn="ctr">
+                      <a:solidFill>
+                        <a:srgbClr val="000000"/>
+                      </a:solidFill>
+                      <a:prstDash val="solid"/>
+                      <a:round/>
+                      <a:headEnd type="none" w="med" len="med"/>
+                      <a:tailEnd type="none" w="med" len="med"/>
+                    </a:lnR>
+                    <a:lnT w="6350" cap="flat" cmpd="sng" algn="ctr">
+                      <a:solidFill>
+                        <a:srgbClr val="000000"/>
+                      </a:solidFill>
+                      <a:prstDash val="solid"/>
+                      <a:round/>
+                      <a:headEnd type="none" w="med" len="med"/>
+                      <a:tailEnd type="none" w="med" len="med"/>
+                    </a:lnT>
+                    <a:lnB w="6350" cap="flat" cmpd="sng" algn="ctr">
+                      <a:solidFill>
+                        <a:srgbClr val="000000"/>
+                      </a:solidFill>
+                      <a:prstDash val="solid"/>
+                      <a:round/>
+                      <a:headEnd type="none" w="med" len="med"/>
+                      <a:tailEnd type="none" w="med" len="med"/>
+                    </a:lnB>
+                    <a:solidFill>
+                      <a:srgbClr val="215F9A"/>
+                    </a:solidFill>
+                  </a:tcPr>
+                </a:tc>
+                <a:tc>
+                  <a:txBody>
+                    <a:bodyPr/>
+                    <a:lstStyle/>
+                    <a:p>
+                      <a:pPr algn="ctr" fontAlgn="b"/>
+                      <a:r>
+                        <a:rPr lang="en-GB" sz="1400" b="1" i="0" u="none" strike="noStrike">
+                          <a:solidFill>
+                            <a:srgbClr val="FFFFFF"/>
+                          </a:solidFill>
+                          <a:effectLst/>
+                          <a:latin typeface="Aptos Narrow" panose="020B0004020202020204" pitchFamily="34" charset="0"/>
+                        </a:rPr>
+                        <a:t>2035</a:t>
+                      </a:r>
+                    </a:p>
+                  </a:txBody>
+                  <a:tcPr marL="9525" marR="9525" marT="9525" marB="0" anchor="b">
+                    <a:lnL w="6350" cap="flat" cmpd="sng" algn="ctr">
+                      <a:solidFill>
+                        <a:srgbClr val="000000"/>
+                      </a:solidFill>
+                      <a:prstDash val="solid"/>
+                      <a:round/>
+                      <a:headEnd type="none" w="med" len="med"/>
+                      <a:tailEnd type="none" w="med" len="med"/>
+                    </a:lnL>
+                    <a:lnR w="6350" cap="flat" cmpd="sng" algn="ctr">
+                      <a:solidFill>
+                        <a:srgbClr val="000000"/>
+                      </a:solidFill>
+                      <a:prstDash val="solid"/>
+                      <a:round/>
+                      <a:headEnd type="none" w="med" len="med"/>
+                      <a:tailEnd type="none" w="med" len="med"/>
+                    </a:lnR>
+                    <a:lnT w="6350" cap="flat" cmpd="sng" algn="ctr">
+                      <a:solidFill>
+                        <a:srgbClr val="000000"/>
+                      </a:solidFill>
+                      <a:prstDash val="solid"/>
+                      <a:round/>
+                      <a:headEnd type="none" w="med" len="med"/>
+                      <a:tailEnd type="none" w="med" len="med"/>
+                    </a:lnT>
+                    <a:lnB w="6350" cap="flat" cmpd="sng" algn="ctr">
+                      <a:solidFill>
+                        <a:srgbClr val="000000"/>
+                      </a:solidFill>
+                      <a:prstDash val="solid"/>
+                      <a:round/>
+                      <a:headEnd type="none" w="med" len="med"/>
+                      <a:tailEnd type="none" w="med" len="med"/>
+                    </a:lnB>
+                    <a:solidFill>
+                      <a:srgbClr val="215F9A"/>
+                    </a:solidFill>
+                  </a:tcPr>
+                </a:tc>
+                <a:tc>
+                  <a:txBody>
+                    <a:bodyPr/>
+                    <a:lstStyle/>
+                    <a:p>
+                      <a:pPr algn="ctr" fontAlgn="b"/>
+                      <a:r>
+                        <a:rPr lang="en-GB" sz="1400" b="1" i="0" u="none" strike="noStrike" dirty="0">
+                          <a:solidFill>
+                            <a:srgbClr val="FFFFFF"/>
+                          </a:solidFill>
+                          <a:effectLst/>
+                          <a:latin typeface="Aptos Narrow" panose="020B0004020202020204" pitchFamily="34" charset="0"/>
+                        </a:rPr>
+                        <a:t>2040</a:t>
+                      </a:r>
+                    </a:p>
+                  </a:txBody>
+                  <a:tcPr marL="9525" marR="9525" marT="9525" marB="0" anchor="b">
+                    <a:lnL w="6350" cap="flat" cmpd="sng" algn="ctr">
+                      <a:solidFill>
+                        <a:srgbClr val="000000"/>
+                      </a:solidFill>
+                      <a:prstDash val="solid"/>
+                      <a:round/>
+                      <a:headEnd type="none" w="med" len="med"/>
+                      <a:tailEnd type="none" w="med" len="med"/>
+                    </a:lnL>
+                    <a:lnR w="6350" cap="flat" cmpd="sng" algn="ctr">
+                      <a:solidFill>
+                        <a:srgbClr val="000000"/>
+                      </a:solidFill>
+                      <a:prstDash val="solid"/>
+                      <a:round/>
+                      <a:headEnd type="none" w="med" len="med"/>
+                      <a:tailEnd type="none" w="med" len="med"/>
+                    </a:lnR>
+                    <a:lnT w="6350" cap="flat" cmpd="sng" algn="ctr">
+                      <a:solidFill>
+                        <a:srgbClr val="000000"/>
+                      </a:solidFill>
+                      <a:prstDash val="solid"/>
+                      <a:round/>
+                      <a:headEnd type="none" w="med" len="med"/>
+                      <a:tailEnd type="none" w="med" len="med"/>
+                    </a:lnT>
+                    <a:lnB w="6350" cap="flat" cmpd="sng" algn="ctr">
+                      <a:solidFill>
+                        <a:srgbClr val="000000"/>
+                      </a:solidFill>
+                      <a:prstDash val="solid"/>
+                      <a:round/>
+                      <a:headEnd type="none" w="med" len="med"/>
+                      <a:tailEnd type="none" w="med" len="med"/>
+                    </a:lnB>
+                    <a:solidFill>
+                      <a:srgbClr val="215F9A"/>
+                    </a:solidFill>
+                  </a:tcPr>
+                </a:tc>
+                <a:extLst>
+                  <a:ext uri="{0D108BD9-81ED-4DB2-BD59-A6C34878D82A}">
+                    <a16:rowId xmlns:a16="http://schemas.microsoft.com/office/drawing/2014/main" val="1875339990"/>
+                  </a:ext>
+                </a:extLst>
+              </a:tr>
+              <a:tr h="190500">
+                <a:tc>
+                  <a:txBody>
+                    <a:bodyPr/>
+                    <a:lstStyle/>
+                    <a:p>
+                      <a:pPr algn="ctr" fontAlgn="b"/>
+                      <a:r>
+                        <a:rPr lang="en-GB" sz="1400" b="1" i="0" u="none" strike="noStrike" dirty="0">
+                          <a:solidFill>
+                            <a:srgbClr val="000000"/>
+                          </a:solidFill>
+                          <a:effectLst/>
+                          <a:latin typeface="Aptos Narrow" panose="020B0004020202020204" pitchFamily="34" charset="0"/>
+                        </a:rPr>
+                        <a:t>Optimistic</a:t>
+                      </a:r>
+                      <a:r>
+                        <a:rPr lang="en-GB" sz="1400" b="0" i="0" u="none" strike="noStrike" dirty="0">
+                          <a:solidFill>
+                            <a:srgbClr val="000000"/>
+                          </a:solidFill>
+                          <a:effectLst/>
+                          <a:latin typeface="Aptos Narrow" panose="020B0004020202020204" pitchFamily="34" charset="0"/>
+                        </a:rPr>
+                        <a:t> (10th centile)</a:t>
+                      </a:r>
+                    </a:p>
+                  </a:txBody>
+                  <a:tcPr marL="9525" marR="9525" marT="9525" marB="0" anchor="b">
+                    <a:lnL w="6350" cap="flat" cmpd="sng" algn="ctr">
+                      <a:solidFill>
+                        <a:srgbClr val="000000"/>
+                      </a:solidFill>
+                      <a:prstDash val="solid"/>
+                      <a:round/>
+                      <a:headEnd type="none" w="med" len="med"/>
+                      <a:tailEnd type="none" w="med" len="med"/>
+                    </a:lnL>
+                    <a:lnR w="6350" cap="flat" cmpd="sng" algn="ctr">
+                      <a:solidFill>
+                        <a:srgbClr val="000000"/>
+                      </a:solidFill>
+                      <a:prstDash val="solid"/>
+                      <a:round/>
+                      <a:headEnd type="none" w="med" len="med"/>
+                      <a:tailEnd type="none" w="med" len="med"/>
+                    </a:lnR>
+                    <a:lnT w="6350" cap="flat" cmpd="sng" algn="ctr">
+                      <a:solidFill>
+                        <a:srgbClr val="000000"/>
+                      </a:solidFill>
+                      <a:prstDash val="solid"/>
+                      <a:round/>
+                      <a:headEnd type="none" w="med" len="med"/>
+                      <a:tailEnd type="none" w="med" len="med"/>
+                    </a:lnT>
+                    <a:lnB w="6350" cap="flat" cmpd="sng" algn="ctr">
+                      <a:solidFill>
+                        <a:srgbClr val="000000"/>
+                      </a:solidFill>
+                      <a:prstDash val="solid"/>
+                      <a:round/>
+                      <a:headEnd type="none" w="med" len="med"/>
+                      <a:tailEnd type="none" w="med" len="med"/>
+                    </a:lnB>
+                    <a:solidFill>
+                      <a:srgbClr val="C6EFCE"/>
+                    </a:solidFill>
+                  </a:tcPr>
+                </a:tc>
+                <a:tc>
+                  <a:txBody>
+                    <a:bodyPr/>
+                    <a:lstStyle/>
+                    <a:p>
+                      <a:pPr algn="ctr" fontAlgn="b"/>
+                      <a:r>
+                        <a:rPr lang="en-GB" sz="1400" b="0" i="0" u="none" strike="noStrike" dirty="0">
+                          <a:solidFill>
+                            <a:srgbClr val="000000"/>
+                          </a:solidFill>
+                          <a:effectLst/>
+                          <a:latin typeface="Aptos Narrow" panose="020B0004020202020204" pitchFamily="34" charset="0"/>
+                        </a:rPr>
+                        <a:t>-2%</a:t>
+                      </a:r>
+                    </a:p>
+                  </a:txBody>
+                  <a:tcPr marL="9525" marR="9525" marT="9525" marB="0" anchor="b">
+                    <a:lnL w="6350" cap="flat" cmpd="sng" algn="ctr">
+                      <a:solidFill>
+                        <a:srgbClr val="000000"/>
+                      </a:solidFill>
+                      <a:prstDash val="solid"/>
+                      <a:round/>
+                      <a:headEnd type="none" w="med" len="med"/>
+                      <a:tailEnd type="none" w="med" len="med"/>
+                    </a:lnL>
+                    <a:lnR w="6350" cap="flat" cmpd="sng" algn="ctr">
+                      <a:solidFill>
+                        <a:srgbClr val="000000"/>
+                      </a:solidFill>
+                      <a:prstDash val="solid"/>
+                      <a:round/>
+                      <a:headEnd type="none" w="med" len="med"/>
+                      <a:tailEnd type="none" w="med" len="med"/>
+                    </a:lnR>
+                    <a:lnT w="6350" cap="flat" cmpd="sng" algn="ctr">
+                      <a:solidFill>
+                        <a:srgbClr val="000000"/>
+                      </a:solidFill>
+                      <a:prstDash val="solid"/>
+                      <a:round/>
+                      <a:headEnd type="none" w="med" len="med"/>
+                      <a:tailEnd type="none" w="med" len="med"/>
+                    </a:lnT>
+                    <a:lnB w="6350" cap="flat" cmpd="sng" algn="ctr">
+                      <a:solidFill>
+                        <a:srgbClr val="000000"/>
+                      </a:solidFill>
+                      <a:prstDash val="solid"/>
+                      <a:round/>
+                      <a:headEnd type="none" w="med" len="med"/>
+                      <a:tailEnd type="none" w="med" len="med"/>
+                    </a:lnB>
+                    <a:solidFill>
+                      <a:srgbClr val="C6EFCE"/>
+                    </a:solidFill>
+                  </a:tcPr>
+                </a:tc>
+                <a:tc>
+                  <a:txBody>
+                    <a:bodyPr/>
+                    <a:lstStyle/>
+                    <a:p>
+                      <a:pPr algn="ctr" fontAlgn="b"/>
+                      <a:r>
+                        <a:rPr lang="en-GB" sz="1400" b="0" i="0" u="none" strike="noStrike" dirty="0">
+                          <a:solidFill>
+                            <a:srgbClr val="000000"/>
+                          </a:solidFill>
+                          <a:effectLst/>
+                          <a:latin typeface="Aptos Narrow" panose="020B0004020202020204" pitchFamily="34" charset="0"/>
+                        </a:rPr>
+                        <a:t>2%</a:t>
+                      </a:r>
+                    </a:p>
+                  </a:txBody>
+                  <a:tcPr marL="9525" marR="9525" marT="9525" marB="0" anchor="b">
+                    <a:lnL w="6350" cap="flat" cmpd="sng" algn="ctr">
+                      <a:solidFill>
+                        <a:srgbClr val="000000"/>
+                      </a:solidFill>
+                      <a:prstDash val="solid"/>
+                      <a:round/>
+                      <a:headEnd type="none" w="med" len="med"/>
+                      <a:tailEnd type="none" w="med" len="med"/>
+                    </a:lnL>
+                    <a:lnR w="6350" cap="flat" cmpd="sng" algn="ctr">
+                      <a:solidFill>
+                        <a:srgbClr val="000000"/>
+                      </a:solidFill>
+                      <a:prstDash val="solid"/>
+                      <a:round/>
+                      <a:headEnd type="none" w="med" len="med"/>
+                      <a:tailEnd type="none" w="med" len="med"/>
+                    </a:lnR>
+                    <a:lnT w="6350" cap="flat" cmpd="sng" algn="ctr">
+                      <a:solidFill>
+                        <a:srgbClr val="000000"/>
+                      </a:solidFill>
+                      <a:prstDash val="solid"/>
+                      <a:round/>
+                      <a:headEnd type="none" w="med" len="med"/>
+                      <a:tailEnd type="none" w="med" len="med"/>
+                    </a:lnT>
+                    <a:lnB w="6350" cap="flat" cmpd="sng" algn="ctr">
+                      <a:solidFill>
+                        <a:srgbClr val="000000"/>
+                      </a:solidFill>
+                      <a:prstDash val="solid"/>
+                      <a:round/>
+                      <a:headEnd type="none" w="med" len="med"/>
+                      <a:tailEnd type="none" w="med" len="med"/>
+                    </a:lnB>
+                    <a:solidFill>
+                      <a:srgbClr val="C6EFCE"/>
+                    </a:solidFill>
+                  </a:tcPr>
+                </a:tc>
+                <a:tc>
+                  <a:txBody>
+                    <a:bodyPr/>
+                    <a:lstStyle/>
+                    <a:p>
+                      <a:pPr algn="ctr" fontAlgn="b"/>
+                      <a:r>
+                        <a:rPr lang="en-GB" sz="1400" b="0" i="0" u="none" strike="noStrike" dirty="0">
+                          <a:solidFill>
+                            <a:srgbClr val="000000"/>
+                          </a:solidFill>
+                          <a:effectLst/>
+                          <a:latin typeface="Aptos Narrow" panose="020B0004020202020204" pitchFamily="34" charset="0"/>
+                        </a:rPr>
+                        <a:t>25%</a:t>
+                      </a:r>
+                    </a:p>
+                  </a:txBody>
+                  <a:tcPr marL="9525" marR="9525" marT="9525" marB="0" anchor="b">
+                    <a:lnL w="6350" cap="flat" cmpd="sng" algn="ctr">
+                      <a:solidFill>
+                        <a:srgbClr val="000000"/>
+                      </a:solidFill>
+                      <a:prstDash val="solid"/>
+                      <a:round/>
+                      <a:headEnd type="none" w="med" len="med"/>
+                      <a:tailEnd type="none" w="med" len="med"/>
+                    </a:lnL>
+                    <a:lnR w="6350" cap="flat" cmpd="sng" algn="ctr">
+                      <a:solidFill>
+                        <a:srgbClr val="000000"/>
+                      </a:solidFill>
+                      <a:prstDash val="solid"/>
+                      <a:round/>
+                      <a:headEnd type="none" w="med" len="med"/>
+                      <a:tailEnd type="none" w="med" len="med"/>
+                    </a:lnR>
+                    <a:lnT w="6350" cap="flat" cmpd="sng" algn="ctr">
+                      <a:solidFill>
+                        <a:srgbClr val="000000"/>
+                      </a:solidFill>
+                      <a:prstDash val="solid"/>
+                      <a:round/>
+                      <a:headEnd type="none" w="med" len="med"/>
+                      <a:tailEnd type="none" w="med" len="med"/>
+                    </a:lnT>
+                    <a:lnB w="6350" cap="flat" cmpd="sng" algn="ctr">
+                      <a:solidFill>
+                        <a:srgbClr val="000000"/>
+                      </a:solidFill>
+                      <a:prstDash val="solid"/>
+                      <a:round/>
+                      <a:headEnd type="none" w="med" len="med"/>
+                      <a:tailEnd type="none" w="med" len="med"/>
+                    </a:lnB>
+                    <a:solidFill>
+                      <a:srgbClr val="C6EFCE"/>
+                    </a:solidFill>
+                  </a:tcPr>
+                </a:tc>
+                <a:tc>
+                  <a:txBody>
+                    <a:bodyPr/>
+                    <a:lstStyle/>
+                    <a:p>
+                      <a:pPr algn="ctr" fontAlgn="b"/>
+                      <a:r>
+                        <a:rPr lang="en-GB" sz="1400" b="0" i="0" u="none" strike="noStrike" dirty="0">
+                          <a:solidFill>
+                            <a:srgbClr val="000000"/>
+                          </a:solidFill>
+                          <a:effectLst/>
+                          <a:latin typeface="Aptos Narrow" panose="020B0004020202020204" pitchFamily="34" charset="0"/>
+                        </a:rPr>
+                        <a:t>88%</a:t>
+                      </a:r>
+                    </a:p>
+                  </a:txBody>
+                  <a:tcPr marL="9525" marR="9525" marT="9525" marB="0" anchor="b">
+                    <a:lnL w="6350" cap="flat" cmpd="sng" algn="ctr">
+                      <a:solidFill>
+                        <a:srgbClr val="000000"/>
+                      </a:solidFill>
+                      <a:prstDash val="solid"/>
+                      <a:round/>
+                      <a:headEnd type="none" w="med" len="med"/>
+                      <a:tailEnd type="none" w="med" len="med"/>
+                    </a:lnL>
+                    <a:lnR w="6350" cap="flat" cmpd="sng" algn="ctr">
+                      <a:solidFill>
+                        <a:srgbClr val="000000"/>
+                      </a:solidFill>
+                      <a:prstDash val="solid"/>
+                      <a:round/>
+                      <a:headEnd type="none" w="med" len="med"/>
+                      <a:tailEnd type="none" w="med" len="med"/>
+                    </a:lnR>
+                    <a:lnT w="6350" cap="flat" cmpd="sng" algn="ctr">
+                      <a:solidFill>
+                        <a:srgbClr val="000000"/>
+                      </a:solidFill>
+                      <a:prstDash val="solid"/>
+                      <a:round/>
+                      <a:headEnd type="none" w="med" len="med"/>
+                      <a:tailEnd type="none" w="med" len="med"/>
+                    </a:lnT>
+                    <a:lnB w="6350" cap="flat" cmpd="sng" algn="ctr">
+                      <a:solidFill>
+                        <a:srgbClr val="000000"/>
+                      </a:solidFill>
+                      <a:prstDash val="solid"/>
+                      <a:round/>
+                      <a:headEnd type="none" w="med" len="med"/>
+                      <a:tailEnd type="none" w="med" len="med"/>
+                    </a:lnB>
+                    <a:solidFill>
+                      <a:srgbClr val="C6EFCE"/>
+                    </a:solidFill>
+                  </a:tcPr>
+                </a:tc>
+                <a:extLst>
+                  <a:ext uri="{0D108BD9-81ED-4DB2-BD59-A6C34878D82A}">
+                    <a16:rowId xmlns:a16="http://schemas.microsoft.com/office/drawing/2014/main" val="2157906985"/>
+                  </a:ext>
+                </a:extLst>
+              </a:tr>
+              <a:tr h="190500">
+                <a:tc>
+                  <a:txBody>
+                    <a:bodyPr/>
+                    <a:lstStyle/>
+                    <a:p>
+                      <a:pPr algn="ctr" fontAlgn="b"/>
+                      <a:r>
+                        <a:rPr lang="en-GB" sz="1400" b="1" i="0" u="none" strike="noStrike" dirty="0">
+                          <a:solidFill>
+                            <a:srgbClr val="000000"/>
+                          </a:solidFill>
+                          <a:effectLst/>
+                          <a:latin typeface="Aptos Narrow" panose="020B0004020202020204" pitchFamily="34" charset="0"/>
+                        </a:rPr>
+                        <a:t>Neutral</a:t>
+                      </a:r>
+                      <a:r>
+                        <a:rPr lang="en-GB" sz="1400" b="0" i="0" u="none" strike="noStrike" dirty="0">
+                          <a:solidFill>
+                            <a:srgbClr val="000000"/>
+                          </a:solidFill>
+                          <a:effectLst/>
+                          <a:latin typeface="Aptos Narrow" panose="020B0004020202020204" pitchFamily="34" charset="0"/>
+                        </a:rPr>
+                        <a:t> (average)</a:t>
+                      </a:r>
+                    </a:p>
+                  </a:txBody>
+                  <a:tcPr marL="9525" marR="9525" marT="9525" marB="0" anchor="b">
+                    <a:lnL w="6350" cap="flat" cmpd="sng" algn="ctr">
+                      <a:solidFill>
+                        <a:srgbClr val="000000"/>
+                      </a:solidFill>
+                      <a:prstDash val="solid"/>
+                      <a:round/>
+                      <a:headEnd type="none" w="med" len="med"/>
+                      <a:tailEnd type="none" w="med" len="med"/>
+                    </a:lnL>
+                    <a:lnR w="6350" cap="flat" cmpd="sng" algn="ctr">
+                      <a:solidFill>
+                        <a:srgbClr val="000000"/>
+                      </a:solidFill>
+                      <a:prstDash val="solid"/>
+                      <a:round/>
+                      <a:headEnd type="none" w="med" len="med"/>
+                      <a:tailEnd type="none" w="med" len="med"/>
+                    </a:lnR>
+                    <a:lnT w="6350" cap="flat" cmpd="sng" algn="ctr">
+                      <a:solidFill>
+                        <a:srgbClr val="000000"/>
+                      </a:solidFill>
+                      <a:prstDash val="solid"/>
+                      <a:round/>
+                      <a:headEnd type="none" w="med" len="med"/>
+                      <a:tailEnd type="none" w="med" len="med"/>
+                    </a:lnT>
+                    <a:lnB w="6350" cap="flat" cmpd="sng" algn="ctr">
+                      <a:solidFill>
+                        <a:srgbClr val="000000"/>
+                      </a:solidFill>
+                      <a:prstDash val="solid"/>
+                      <a:round/>
+                      <a:headEnd type="none" w="med" len="med"/>
+                      <a:tailEnd type="none" w="med" len="med"/>
+                    </a:lnB>
+                    <a:solidFill>
+                      <a:schemeClr val="bg1"/>
+                    </a:solidFill>
+                  </a:tcPr>
+                </a:tc>
+                <a:tc>
+                  <a:txBody>
+                    <a:bodyPr/>
+                    <a:lstStyle/>
+                    <a:p>
+                      <a:pPr algn="ctr" fontAlgn="b"/>
+                      <a:r>
+                        <a:rPr lang="en-GB" sz="1400" b="0" i="0" u="none" strike="noStrike">
+                          <a:solidFill>
+                            <a:srgbClr val="000000"/>
+                          </a:solidFill>
+                          <a:effectLst/>
+                          <a:latin typeface="Aptos Narrow" panose="020B0004020202020204" pitchFamily="34" charset="0"/>
+                        </a:rPr>
+                        <a:t>9%</a:t>
+                      </a:r>
+                    </a:p>
+                  </a:txBody>
+                  <a:tcPr marL="9525" marR="9525" marT="9525" marB="0" anchor="b">
+                    <a:lnL w="6350" cap="flat" cmpd="sng" algn="ctr">
+                      <a:solidFill>
+                        <a:srgbClr val="000000"/>
+                      </a:solidFill>
+                      <a:prstDash val="solid"/>
+                      <a:round/>
+                      <a:headEnd type="none" w="med" len="med"/>
+                      <a:tailEnd type="none" w="med" len="med"/>
+                    </a:lnL>
+                    <a:lnR w="6350" cap="flat" cmpd="sng" algn="ctr">
+                      <a:solidFill>
+                        <a:srgbClr val="000000"/>
+                      </a:solidFill>
+                      <a:prstDash val="solid"/>
+                      <a:round/>
+                      <a:headEnd type="none" w="med" len="med"/>
+                      <a:tailEnd type="none" w="med" len="med"/>
+                    </a:lnR>
+                    <a:lnT w="6350" cap="flat" cmpd="sng" algn="ctr">
+                      <a:solidFill>
+                        <a:srgbClr val="000000"/>
+                      </a:solidFill>
+                      <a:prstDash val="solid"/>
+                      <a:round/>
+                      <a:headEnd type="none" w="med" len="med"/>
+                      <a:tailEnd type="none" w="med" len="med"/>
+                    </a:lnT>
+                    <a:lnB w="6350" cap="flat" cmpd="sng" algn="ctr">
+                      <a:solidFill>
+                        <a:srgbClr val="000000"/>
+                      </a:solidFill>
+                      <a:prstDash val="solid"/>
+                      <a:round/>
+                      <a:headEnd type="none" w="med" len="med"/>
+                      <a:tailEnd type="none" w="med" len="med"/>
+                    </a:lnB>
+                    <a:solidFill>
+                      <a:schemeClr val="bg1"/>
+                    </a:solidFill>
+                  </a:tcPr>
+                </a:tc>
+                <a:tc>
+                  <a:txBody>
+                    <a:bodyPr/>
+                    <a:lstStyle/>
+                    <a:p>
+                      <a:pPr algn="ctr" fontAlgn="b"/>
+                      <a:r>
+                        <a:rPr lang="en-GB" sz="1400" b="0" i="0" u="none" strike="noStrike">
+                          <a:solidFill>
+                            <a:srgbClr val="000000"/>
+                          </a:solidFill>
+                          <a:effectLst/>
+                          <a:latin typeface="Aptos Narrow" panose="020B0004020202020204" pitchFamily="34" charset="0"/>
+                        </a:rPr>
+                        <a:t>80%</a:t>
+                      </a:r>
+                    </a:p>
+                  </a:txBody>
+                  <a:tcPr marL="9525" marR="9525" marT="9525" marB="0" anchor="b">
+                    <a:lnL w="6350" cap="flat" cmpd="sng" algn="ctr">
+                      <a:solidFill>
+                        <a:srgbClr val="000000"/>
+                      </a:solidFill>
+                      <a:prstDash val="solid"/>
+                      <a:round/>
+                      <a:headEnd type="none" w="med" len="med"/>
+                      <a:tailEnd type="none" w="med" len="med"/>
+                    </a:lnL>
+                    <a:lnR w="6350" cap="flat" cmpd="sng" algn="ctr">
+                      <a:solidFill>
+                        <a:srgbClr val="000000"/>
+                      </a:solidFill>
+                      <a:prstDash val="solid"/>
+                      <a:round/>
+                      <a:headEnd type="none" w="med" len="med"/>
+                      <a:tailEnd type="none" w="med" len="med"/>
+                    </a:lnR>
+                    <a:lnT w="6350" cap="flat" cmpd="sng" algn="ctr">
+                      <a:solidFill>
+                        <a:srgbClr val="000000"/>
+                      </a:solidFill>
+                      <a:prstDash val="solid"/>
+                      <a:round/>
+                      <a:headEnd type="none" w="med" len="med"/>
+                      <a:tailEnd type="none" w="med" len="med"/>
+                    </a:lnT>
+                    <a:lnB w="6350" cap="flat" cmpd="sng" algn="ctr">
+                      <a:solidFill>
+                        <a:srgbClr val="000000"/>
+                      </a:solidFill>
+                      <a:prstDash val="solid"/>
+                      <a:round/>
+                      <a:headEnd type="none" w="med" len="med"/>
+                      <a:tailEnd type="none" w="med" len="med"/>
+                    </a:lnB>
+                    <a:solidFill>
+                      <a:schemeClr val="bg1"/>
+                    </a:solidFill>
+                  </a:tcPr>
+                </a:tc>
+                <a:tc>
+                  <a:txBody>
+                    <a:bodyPr/>
+                    <a:lstStyle/>
+                    <a:p>
+                      <a:pPr algn="ctr" fontAlgn="b"/>
+                      <a:r>
+                        <a:rPr lang="en-GB" sz="1400" b="0" i="0" u="none" strike="noStrike">
+                          <a:solidFill>
+                            <a:srgbClr val="000000"/>
+                          </a:solidFill>
+                          <a:effectLst/>
+                          <a:latin typeface="Aptos Narrow" panose="020B0004020202020204" pitchFamily="34" charset="0"/>
+                        </a:rPr>
+                        <a:t>184%</a:t>
+                      </a:r>
+                    </a:p>
+                  </a:txBody>
+                  <a:tcPr marL="9525" marR="9525" marT="9525" marB="0" anchor="b">
+                    <a:lnL w="6350" cap="flat" cmpd="sng" algn="ctr">
+                      <a:solidFill>
+                        <a:srgbClr val="000000"/>
+                      </a:solidFill>
+                      <a:prstDash val="solid"/>
+                      <a:round/>
+                      <a:headEnd type="none" w="med" len="med"/>
+                      <a:tailEnd type="none" w="med" len="med"/>
+                    </a:lnL>
+                    <a:lnR w="6350" cap="flat" cmpd="sng" algn="ctr">
+                      <a:solidFill>
+                        <a:srgbClr val="000000"/>
+                      </a:solidFill>
+                      <a:prstDash val="solid"/>
+                      <a:round/>
+                      <a:headEnd type="none" w="med" len="med"/>
+                      <a:tailEnd type="none" w="med" len="med"/>
+                    </a:lnR>
+                    <a:lnT w="6350" cap="flat" cmpd="sng" algn="ctr">
+                      <a:solidFill>
+                        <a:srgbClr val="000000"/>
+                      </a:solidFill>
+                      <a:prstDash val="solid"/>
+                      <a:round/>
+                      <a:headEnd type="none" w="med" len="med"/>
+                      <a:tailEnd type="none" w="med" len="med"/>
+                    </a:lnT>
+                    <a:lnB w="6350" cap="flat" cmpd="sng" algn="ctr">
+                      <a:solidFill>
+                        <a:srgbClr val="000000"/>
+                      </a:solidFill>
+                      <a:prstDash val="solid"/>
+                      <a:round/>
+                      <a:headEnd type="none" w="med" len="med"/>
+                      <a:tailEnd type="none" w="med" len="med"/>
+                    </a:lnB>
+                    <a:solidFill>
+                      <a:schemeClr val="bg1"/>
+                    </a:solidFill>
+                  </a:tcPr>
+                </a:tc>
+                <a:tc>
+                  <a:txBody>
+                    <a:bodyPr/>
+                    <a:lstStyle/>
+                    <a:p>
+                      <a:pPr algn="ctr" fontAlgn="b"/>
+                      <a:r>
+                        <a:rPr lang="en-GB" sz="1400" b="0" i="0" u="none" strike="noStrike" dirty="0">
+                          <a:solidFill>
+                            <a:srgbClr val="000000"/>
+                          </a:solidFill>
+                          <a:effectLst/>
+                          <a:latin typeface="Aptos Narrow" panose="020B0004020202020204" pitchFamily="34" charset="0"/>
+                        </a:rPr>
+                        <a:t>324%</a:t>
+                      </a:r>
+                    </a:p>
+                  </a:txBody>
+                  <a:tcPr marL="9525" marR="9525" marT="9525" marB="0" anchor="b">
+                    <a:lnL w="6350" cap="flat" cmpd="sng" algn="ctr">
+                      <a:solidFill>
+                        <a:srgbClr val="000000"/>
+                      </a:solidFill>
+                      <a:prstDash val="solid"/>
+                      <a:round/>
+                      <a:headEnd type="none" w="med" len="med"/>
+                      <a:tailEnd type="none" w="med" len="med"/>
+                    </a:lnL>
+                    <a:lnR w="6350" cap="flat" cmpd="sng" algn="ctr">
+                      <a:solidFill>
+                        <a:srgbClr val="000000"/>
+                      </a:solidFill>
+                      <a:prstDash val="solid"/>
+                      <a:round/>
+                      <a:headEnd type="none" w="med" len="med"/>
+                      <a:tailEnd type="none" w="med" len="med"/>
+                    </a:lnR>
+                    <a:lnT w="6350" cap="flat" cmpd="sng" algn="ctr">
+                      <a:solidFill>
+                        <a:srgbClr val="000000"/>
+                      </a:solidFill>
+                      <a:prstDash val="solid"/>
+                      <a:round/>
+                      <a:headEnd type="none" w="med" len="med"/>
+                      <a:tailEnd type="none" w="med" len="med"/>
+                    </a:lnT>
+                    <a:lnB w="6350" cap="flat" cmpd="sng" algn="ctr">
+                      <a:solidFill>
+                        <a:srgbClr val="000000"/>
+                      </a:solidFill>
+                      <a:prstDash val="solid"/>
+                      <a:round/>
+                      <a:headEnd type="none" w="med" len="med"/>
+                      <a:tailEnd type="none" w="med" len="med"/>
+                    </a:lnB>
+                    <a:solidFill>
+                      <a:schemeClr val="bg1"/>
+                    </a:solidFill>
+                  </a:tcPr>
+                </a:tc>
+                <a:extLst>
+                  <a:ext uri="{0D108BD9-81ED-4DB2-BD59-A6C34878D82A}">
+                    <a16:rowId xmlns:a16="http://schemas.microsoft.com/office/drawing/2014/main" val="1934355819"/>
+                  </a:ext>
+                </a:extLst>
+              </a:tr>
+              <a:tr h="190500">
+                <a:tc>
+                  <a:txBody>
+                    <a:bodyPr/>
+                    <a:lstStyle/>
+                    <a:p>
+                      <a:pPr algn="ctr" fontAlgn="b"/>
+                      <a:r>
+                        <a:rPr lang="en-GB" sz="1400" b="1" i="0" u="none" strike="noStrike" dirty="0">
+                          <a:solidFill>
+                            <a:srgbClr val="000000"/>
+                          </a:solidFill>
+                          <a:effectLst/>
+                          <a:latin typeface="Aptos Narrow" panose="020B0004020202020204" pitchFamily="34" charset="0"/>
+                        </a:rPr>
+                        <a:t>Pessimistic</a:t>
+                      </a:r>
+                      <a:r>
+                        <a:rPr lang="en-GB" sz="1400" b="0" i="0" u="none" strike="noStrike" dirty="0">
+                          <a:solidFill>
+                            <a:srgbClr val="000000"/>
+                          </a:solidFill>
+                          <a:effectLst/>
+                          <a:latin typeface="Aptos Narrow" panose="020B0004020202020204" pitchFamily="34" charset="0"/>
+                        </a:rPr>
+                        <a:t> (90th centile)</a:t>
+                      </a:r>
+                    </a:p>
+                  </a:txBody>
+                  <a:tcPr marL="9525" marR="9525" marT="9525" marB="0" anchor="b">
+                    <a:lnL w="6350" cap="flat" cmpd="sng" algn="ctr">
+                      <a:solidFill>
+                        <a:srgbClr val="000000"/>
+                      </a:solidFill>
+                      <a:prstDash val="solid"/>
+                      <a:round/>
+                      <a:headEnd type="none" w="med" len="med"/>
+                      <a:tailEnd type="none" w="med" len="med"/>
+                    </a:lnL>
+                    <a:lnR w="6350" cap="flat" cmpd="sng" algn="ctr">
+                      <a:solidFill>
+                        <a:srgbClr val="000000"/>
+                      </a:solidFill>
+                      <a:prstDash val="solid"/>
+                      <a:round/>
+                      <a:headEnd type="none" w="med" len="med"/>
+                      <a:tailEnd type="none" w="med" len="med"/>
+                    </a:lnR>
+                    <a:lnT w="6350" cap="flat" cmpd="sng" algn="ctr">
+                      <a:solidFill>
+                        <a:srgbClr val="000000"/>
+                      </a:solidFill>
+                      <a:prstDash val="solid"/>
+                      <a:round/>
+                      <a:headEnd type="none" w="med" len="med"/>
+                      <a:tailEnd type="none" w="med" len="med"/>
+                    </a:lnT>
+                    <a:lnB w="6350" cap="flat" cmpd="sng" algn="ctr">
+                      <a:solidFill>
+                        <a:srgbClr val="000000"/>
+                      </a:solidFill>
+                      <a:prstDash val="solid"/>
+                      <a:round/>
+                      <a:headEnd type="none" w="med" len="med"/>
+                      <a:tailEnd type="none" w="med" len="med"/>
+                    </a:lnB>
+                    <a:solidFill>
+                      <a:srgbClr val="FFC7CE"/>
+                    </a:solidFill>
+                  </a:tcPr>
+                </a:tc>
+                <a:tc>
+                  <a:txBody>
+                    <a:bodyPr/>
+                    <a:lstStyle/>
+                    <a:p>
+                      <a:pPr algn="ctr" fontAlgn="b"/>
+                      <a:r>
+                        <a:rPr lang="en-GB" sz="1400" b="0" i="0" u="none" strike="noStrike" dirty="0">
+                          <a:solidFill>
+                            <a:srgbClr val="000000"/>
+                          </a:solidFill>
+                          <a:effectLst/>
+                          <a:latin typeface="Aptos Narrow" panose="020B0004020202020204" pitchFamily="34" charset="0"/>
+                        </a:rPr>
+                        <a:t>20%</a:t>
+                      </a:r>
+                    </a:p>
+                  </a:txBody>
+                  <a:tcPr marL="9525" marR="9525" marT="9525" marB="0" anchor="b">
+                    <a:lnL w="6350" cap="flat" cmpd="sng" algn="ctr">
+                      <a:solidFill>
+                        <a:srgbClr val="000000"/>
+                      </a:solidFill>
+                      <a:prstDash val="solid"/>
+                      <a:round/>
+                      <a:headEnd type="none" w="med" len="med"/>
+                      <a:tailEnd type="none" w="med" len="med"/>
+                    </a:lnL>
+                    <a:lnR w="6350" cap="flat" cmpd="sng" algn="ctr">
+                      <a:solidFill>
+                        <a:srgbClr val="000000"/>
+                      </a:solidFill>
+                      <a:prstDash val="solid"/>
+                      <a:round/>
+                      <a:headEnd type="none" w="med" len="med"/>
+                      <a:tailEnd type="none" w="med" len="med"/>
+                    </a:lnR>
+                    <a:lnT w="6350" cap="flat" cmpd="sng" algn="ctr">
+                      <a:solidFill>
+                        <a:srgbClr val="000000"/>
+                      </a:solidFill>
+                      <a:prstDash val="solid"/>
+                      <a:round/>
+                      <a:headEnd type="none" w="med" len="med"/>
+                      <a:tailEnd type="none" w="med" len="med"/>
+                    </a:lnT>
+                    <a:lnB w="6350" cap="flat" cmpd="sng" algn="ctr">
+                      <a:solidFill>
+                        <a:srgbClr val="000000"/>
+                      </a:solidFill>
+                      <a:prstDash val="solid"/>
+                      <a:round/>
+                      <a:headEnd type="none" w="med" len="med"/>
+                      <a:tailEnd type="none" w="med" len="med"/>
+                    </a:lnB>
+                    <a:solidFill>
+                      <a:srgbClr val="FFC7CE"/>
+                    </a:solidFill>
+                  </a:tcPr>
+                </a:tc>
+                <a:tc>
+                  <a:txBody>
+                    <a:bodyPr/>
+                    <a:lstStyle/>
+                    <a:p>
+                      <a:pPr algn="ctr" fontAlgn="b"/>
+                      <a:r>
+                        <a:rPr lang="en-GB" sz="1400" b="0" i="0" u="none" strike="noStrike" dirty="0">
+                          <a:solidFill>
+                            <a:srgbClr val="000000"/>
+                          </a:solidFill>
+                          <a:effectLst/>
+                          <a:latin typeface="Aptos Narrow" panose="020B0004020202020204" pitchFamily="34" charset="0"/>
+                        </a:rPr>
+                        <a:t>175%</a:t>
+                      </a:r>
+                    </a:p>
+                  </a:txBody>
+                  <a:tcPr marL="9525" marR="9525" marT="9525" marB="0" anchor="b">
+                    <a:lnL w="6350" cap="flat" cmpd="sng" algn="ctr">
+                      <a:solidFill>
+                        <a:srgbClr val="000000"/>
+                      </a:solidFill>
+                      <a:prstDash val="solid"/>
+                      <a:round/>
+                      <a:headEnd type="none" w="med" len="med"/>
+                      <a:tailEnd type="none" w="med" len="med"/>
+                    </a:lnL>
+                    <a:lnR w="6350" cap="flat" cmpd="sng" algn="ctr">
+                      <a:solidFill>
+                        <a:srgbClr val="000000"/>
+                      </a:solidFill>
+                      <a:prstDash val="solid"/>
+                      <a:round/>
+                      <a:headEnd type="none" w="med" len="med"/>
+                      <a:tailEnd type="none" w="med" len="med"/>
+                    </a:lnR>
+                    <a:lnT w="6350" cap="flat" cmpd="sng" algn="ctr">
+                      <a:solidFill>
+                        <a:srgbClr val="000000"/>
+                      </a:solidFill>
+                      <a:prstDash val="solid"/>
+                      <a:round/>
+                      <a:headEnd type="none" w="med" len="med"/>
+                      <a:tailEnd type="none" w="med" len="med"/>
+                    </a:lnT>
+                    <a:lnB w="6350" cap="flat" cmpd="sng" algn="ctr">
+                      <a:solidFill>
+                        <a:srgbClr val="000000"/>
+                      </a:solidFill>
+                      <a:prstDash val="solid"/>
+                      <a:round/>
+                      <a:headEnd type="none" w="med" len="med"/>
+                      <a:tailEnd type="none" w="med" len="med"/>
+                    </a:lnB>
+                    <a:solidFill>
+                      <a:srgbClr val="FFC7CE"/>
+                    </a:solidFill>
+                  </a:tcPr>
+                </a:tc>
+                <a:tc>
+                  <a:txBody>
+                    <a:bodyPr/>
+                    <a:lstStyle/>
+                    <a:p>
+                      <a:pPr algn="ctr" fontAlgn="b"/>
+                      <a:r>
+                        <a:rPr lang="en-GB" sz="1400" b="0" i="0" u="none" strike="noStrike" dirty="0">
+                          <a:solidFill>
+                            <a:srgbClr val="000000"/>
+                          </a:solidFill>
+                          <a:effectLst/>
+                          <a:latin typeface="Aptos Narrow" panose="020B0004020202020204" pitchFamily="34" charset="0"/>
+                        </a:rPr>
+                        <a:t>375%</a:t>
+                      </a:r>
+                    </a:p>
+                  </a:txBody>
+                  <a:tcPr marL="9525" marR="9525" marT="9525" marB="0" anchor="b">
+                    <a:lnL w="6350" cap="flat" cmpd="sng" algn="ctr">
+                      <a:solidFill>
+                        <a:srgbClr val="000000"/>
+                      </a:solidFill>
+                      <a:prstDash val="solid"/>
+                      <a:round/>
+                      <a:headEnd type="none" w="med" len="med"/>
+                      <a:tailEnd type="none" w="med" len="med"/>
+                    </a:lnL>
+                    <a:lnR w="6350" cap="flat" cmpd="sng" algn="ctr">
+                      <a:solidFill>
+                        <a:srgbClr val="000000"/>
+                      </a:solidFill>
+                      <a:prstDash val="solid"/>
+                      <a:round/>
+                      <a:headEnd type="none" w="med" len="med"/>
+                      <a:tailEnd type="none" w="med" len="med"/>
+                    </a:lnR>
+                    <a:lnT w="6350" cap="flat" cmpd="sng" algn="ctr">
+                      <a:solidFill>
+                        <a:srgbClr val="000000"/>
+                      </a:solidFill>
+                      <a:prstDash val="solid"/>
+                      <a:round/>
+                      <a:headEnd type="none" w="med" len="med"/>
+                      <a:tailEnd type="none" w="med" len="med"/>
+                    </a:lnT>
+                    <a:lnB w="6350" cap="flat" cmpd="sng" algn="ctr">
+                      <a:solidFill>
+                        <a:srgbClr val="000000"/>
+                      </a:solidFill>
+                      <a:prstDash val="solid"/>
+                      <a:round/>
+                      <a:headEnd type="none" w="med" len="med"/>
+                      <a:tailEnd type="none" w="med" len="med"/>
+                    </a:lnB>
+                    <a:solidFill>
+                      <a:srgbClr val="FFC7CE"/>
+                    </a:solidFill>
+                  </a:tcPr>
+                </a:tc>
+                <a:tc>
+                  <a:txBody>
+                    <a:bodyPr/>
+                    <a:lstStyle/>
+                    <a:p>
+                      <a:pPr algn="ctr" fontAlgn="b"/>
+                      <a:r>
+                        <a:rPr lang="en-GB" sz="1400" b="0" i="0" u="none" strike="noStrike" dirty="0">
+                          <a:solidFill>
+                            <a:srgbClr val="000000"/>
+                          </a:solidFill>
+                          <a:effectLst/>
+                          <a:latin typeface="Aptos Narrow" panose="020B0004020202020204" pitchFamily="34" charset="0"/>
+                        </a:rPr>
+                        <a:t>573%</a:t>
+                      </a:r>
+                    </a:p>
+                  </a:txBody>
+                  <a:tcPr marL="9525" marR="9525" marT="9525" marB="0" anchor="b">
+                    <a:lnL w="6350" cap="flat" cmpd="sng" algn="ctr">
+                      <a:solidFill>
+                        <a:srgbClr val="000000"/>
+                      </a:solidFill>
+                      <a:prstDash val="solid"/>
+                      <a:round/>
+                      <a:headEnd type="none" w="med" len="med"/>
+                      <a:tailEnd type="none" w="med" len="med"/>
+                    </a:lnL>
+                    <a:lnR w="6350" cap="flat" cmpd="sng" algn="ctr">
+                      <a:solidFill>
+                        <a:srgbClr val="000000"/>
+                      </a:solidFill>
+                      <a:prstDash val="solid"/>
+                      <a:round/>
+                      <a:headEnd type="none" w="med" len="med"/>
+                      <a:tailEnd type="none" w="med" len="med"/>
+                    </a:lnR>
+                    <a:lnT w="6350" cap="flat" cmpd="sng" algn="ctr">
+                      <a:solidFill>
+                        <a:srgbClr val="000000"/>
+                      </a:solidFill>
+                      <a:prstDash val="solid"/>
+                      <a:round/>
+                      <a:headEnd type="none" w="med" len="med"/>
+                      <a:tailEnd type="none" w="med" len="med"/>
+                    </a:lnT>
+                    <a:lnB w="6350" cap="flat" cmpd="sng" algn="ctr">
+                      <a:solidFill>
+                        <a:srgbClr val="000000"/>
+                      </a:solidFill>
+                      <a:prstDash val="solid"/>
+                      <a:round/>
+                      <a:headEnd type="none" w="med" len="med"/>
+                      <a:tailEnd type="none" w="med" len="med"/>
+                    </a:lnB>
+                    <a:solidFill>
+                      <a:srgbClr val="FFC7CE"/>
+                    </a:solidFill>
+                  </a:tcPr>
+                </a:tc>
+                <a:extLst>
+                  <a:ext uri="{0D108BD9-81ED-4DB2-BD59-A6C34878D82A}">
+                    <a16:rowId xmlns:a16="http://schemas.microsoft.com/office/drawing/2014/main" val="3506307174"/>
+                  </a:ext>
+                </a:extLst>
+              </a:tr>
+            </a:tbl>
+          </a:graphicData>
+        </a:graphic>
+      </p:graphicFrame>
     </p:spTree>
     <p:extLst>
       <p:ext uri="{BB962C8B-B14F-4D97-AF65-F5344CB8AC3E}">

--- a/marcos_fabietti_Predicting_A&E_Demand.pptx
+++ b/marcos_fabietti_Predicting_A&E_Demand.pptx
@@ -897,6 +897,7 @@
         <a:bodyPr/>
         <a:lstStyle/>
         <a:p>
+          <a:pPr algn="just"/>
           <a:r>
             <a:rPr lang="en-GB" b="1" noProof="0" dirty="0"/>
             <a:t>Historical Data Trends: </a:t>
@@ -934,9 +935,10 @@
         <a:bodyPr/>
         <a:lstStyle/>
         <a:p>
+          <a:pPr algn="just"/>
           <a:r>
             <a:rPr lang="en-GB" noProof="0" dirty="0"/>
-            <a:t>Analysing past patterns in A&amp;E attendances, such as annual growth rates, seasonal fluctuations, and long-term trends. </a:t>
+            <a:t>Analysing past patterns in A&amp;E attendances, such as annual growth rates, seasonal fluctuations, and long-term trends. The analysed time series is the sum of: Type 1, Type 2 and Other A&amp;E Department non-booked A&amp;E attendances.</a:t>
           </a:r>
         </a:p>
       </dgm:t>
@@ -1088,6 +1090,7 @@
         <a:bodyPr/>
         <a:lstStyle/>
         <a:p>
+          <a:pPr algn="just"/>
           <a:r>
             <a:rPr lang="en-GB" noProof="0" dirty="0"/>
             <a:t>Using Local Councils and  Office for National Statistics (ONS) projections for population growth to estimate future healthcare demand. Cambridgeshire and Peterborough’s population is forecast to grow by 17% between 2022 and 2041.</a:t>
@@ -1165,6 +1168,7 @@
         <a:bodyPr/>
         <a:lstStyle/>
         <a:p>
+          <a:pPr algn="just"/>
           <a:r>
             <a:rPr lang="en-GB" noProof="0" dirty="0"/>
             <a:t>Interventions or policies designed to reduce A&amp;E demand or manage patient flow more effectively. </a:t>
@@ -1242,6 +1246,7 @@
         <a:bodyPr/>
         <a:lstStyle/>
         <a:p>
+          <a:pPr algn="just"/>
           <a:r>
             <a:rPr lang="en-GB" noProof="0" dirty="0"/>
             <a:t>Anticipated changes in healthcare delivery that may affect A&amp;E attendances, either by increasing or reducing demand.</a:t>
@@ -1524,8 +1529,8 @@
       </dsp:nvSpPr>
       <dsp:spPr>
         <a:xfrm>
-          <a:off x="0" y="45598"/>
-          <a:ext cx="6647380" cy="417690"/>
+          <a:off x="0" y="143889"/>
+          <a:ext cx="6647380" cy="393120"/>
         </a:xfrm>
         <a:prstGeom prst="roundRect">
           <a:avLst/>
@@ -1557,12 +1562,12 @@
         </a:fontRef>
       </dsp:style>
       <dsp:txBody>
-        <a:bodyPr spcFirstLastPara="0" vert="horz" wrap="square" lIns="64770" tIns="64770" rIns="64770" bIns="64770" numCol="1" spcCol="1270" anchor="ctr" anchorCtr="0">
+        <a:bodyPr spcFirstLastPara="0" vert="horz" wrap="square" lIns="60960" tIns="60960" rIns="60960" bIns="60960" numCol="1" spcCol="1270" anchor="ctr" anchorCtr="0">
           <a:noAutofit/>
         </a:bodyPr>
         <a:lstStyle/>
         <a:p>
-          <a:pPr marL="0" lvl="0" indent="0" algn="l" defTabSz="755650">
+          <a:pPr marL="0" lvl="0" indent="0" algn="just" defTabSz="711200">
             <a:lnSpc>
               <a:spcPct val="90000"/>
             </a:lnSpc>
@@ -1575,15 +1580,15 @@
             <a:buNone/>
           </a:pPr>
           <a:r>
-            <a:rPr lang="en-GB" sz="1700" b="1" kern="1200" noProof="0" dirty="0"/>
+            <a:rPr lang="en-GB" sz="1600" b="1" kern="1200" noProof="0" dirty="0"/>
             <a:t>Historical Data Trends: </a:t>
           </a:r>
-          <a:endParaRPr lang="en-GB" sz="1700" kern="1200" noProof="0" dirty="0"/>
+          <a:endParaRPr lang="en-GB" sz="1600" kern="1200" noProof="0" dirty="0"/>
         </a:p>
       </dsp:txBody>
       <dsp:txXfrm>
-        <a:off x="20390" y="65988"/>
-        <a:ext cx="6606600" cy="376910"/>
+        <a:off x="19191" y="163080"/>
+        <a:ext cx="6608998" cy="354738"/>
       </dsp:txXfrm>
     </dsp:sp>
     <dsp:sp modelId="{EF579590-1B3A-4981-9E0E-1EA93E45A1FF}">
@@ -1593,8 +1598,8 @@
       </dsp:nvSpPr>
       <dsp:spPr>
         <a:xfrm>
-          <a:off x="0" y="463288"/>
-          <a:ext cx="6647380" cy="413482"/>
+          <a:off x="0" y="537009"/>
+          <a:ext cx="6647380" cy="546480"/>
         </a:xfrm>
         <a:prstGeom prst="rect">
           <a:avLst/>
@@ -1618,12 +1623,12 @@
         <a:fontRef idx="minor"/>
       </dsp:style>
       <dsp:txBody>
-        <a:bodyPr spcFirstLastPara="0" vert="horz" wrap="square" lIns="211054" tIns="21590" rIns="120904" bIns="21590" numCol="1" spcCol="1270" anchor="t" anchorCtr="0">
+        <a:bodyPr spcFirstLastPara="0" vert="horz" wrap="square" lIns="211054" tIns="20320" rIns="113792" bIns="20320" numCol="1" spcCol="1270" anchor="t" anchorCtr="0">
           <a:noAutofit/>
         </a:bodyPr>
         <a:lstStyle/>
         <a:p>
-          <a:pPr marL="114300" lvl="1" indent="-114300" algn="l" defTabSz="577850">
+          <a:pPr marL="114300" lvl="1" indent="-114300" algn="just" defTabSz="533400">
             <a:lnSpc>
               <a:spcPct val="90000"/>
             </a:lnSpc>
@@ -1636,14 +1641,14 @@
             <a:buChar char="•"/>
           </a:pPr>
           <a:r>
-            <a:rPr lang="en-GB" sz="1300" kern="1200" noProof="0" dirty="0"/>
-            <a:t>Analysing past patterns in A&amp;E attendances, such as annual growth rates, seasonal fluctuations, and long-term trends. </a:t>
+            <a:rPr lang="en-GB" sz="1200" kern="1200" noProof="0" dirty="0"/>
+            <a:t>Analysing past patterns in A&amp;E attendances, such as annual growth rates, seasonal fluctuations, and long-term trends. The analysed time series is the sum of: Type 1, Type 2 and Other A&amp;E Department non-booked A&amp;E attendances.</a:t>
           </a:r>
         </a:p>
       </dsp:txBody>
       <dsp:txXfrm>
-        <a:off x="0" y="463288"/>
-        <a:ext cx="6647380" cy="413482"/>
+        <a:off x="0" y="537009"/>
+        <a:ext cx="6647380" cy="546480"/>
       </dsp:txXfrm>
     </dsp:sp>
     <dsp:sp modelId="{8BCFFEEC-7F73-4EFC-8466-007E13DB5B55}">
@@ -1653,8 +1658,8 @@
       </dsp:nvSpPr>
       <dsp:spPr>
         <a:xfrm>
-          <a:off x="0" y="876770"/>
-          <a:ext cx="6647380" cy="417690"/>
+          <a:off x="0" y="1083489"/>
+          <a:ext cx="6647380" cy="393120"/>
         </a:xfrm>
         <a:prstGeom prst="roundRect">
           <a:avLst/>
@@ -1691,12 +1696,12 @@
         </a:fontRef>
       </dsp:style>
       <dsp:txBody>
-        <a:bodyPr spcFirstLastPara="0" vert="horz" wrap="square" lIns="64770" tIns="64770" rIns="64770" bIns="64770" numCol="1" spcCol="1270" anchor="ctr" anchorCtr="0">
+        <a:bodyPr spcFirstLastPara="0" vert="horz" wrap="square" lIns="60960" tIns="60960" rIns="60960" bIns="60960" numCol="1" spcCol="1270" anchor="ctr" anchorCtr="0">
           <a:noAutofit/>
         </a:bodyPr>
         <a:lstStyle/>
         <a:p>
-          <a:pPr marL="0" lvl="0" indent="0" algn="l" defTabSz="755650">
+          <a:pPr marL="0" lvl="0" indent="0" algn="l" defTabSz="711200">
             <a:lnSpc>
               <a:spcPct val="90000"/>
             </a:lnSpc>
@@ -1709,15 +1714,15 @@
             <a:buNone/>
           </a:pPr>
           <a:r>
-            <a:rPr lang="en-GB" sz="1700" b="1" kern="1200" noProof="0" dirty="0"/>
+            <a:rPr lang="en-GB" sz="1600" b="1" kern="1200" noProof="0" dirty="0"/>
             <a:t>Covid -19:</a:t>
           </a:r>
-          <a:endParaRPr lang="en-GB" sz="1700" kern="1200" noProof="0" dirty="0"/>
+          <a:endParaRPr lang="en-GB" sz="1600" kern="1200" noProof="0" dirty="0"/>
         </a:p>
       </dsp:txBody>
       <dsp:txXfrm>
-        <a:off x="20390" y="897160"/>
-        <a:ext cx="6606600" cy="376910"/>
+        <a:off x="19191" y="1102680"/>
+        <a:ext cx="6608998" cy="354738"/>
       </dsp:txXfrm>
     </dsp:sp>
     <dsp:sp modelId="{7760BD57-A030-44BC-A4FE-9CB67D660C7F}">
@@ -1727,8 +1732,8 @@
       </dsp:nvSpPr>
       <dsp:spPr>
         <a:xfrm>
-          <a:off x="0" y="1294460"/>
-          <a:ext cx="6647380" cy="413482"/>
+          <a:off x="0" y="1476609"/>
+          <a:ext cx="6647380" cy="380880"/>
         </a:xfrm>
         <a:prstGeom prst="rect">
           <a:avLst/>
@@ -1752,12 +1757,12 @@
         <a:fontRef idx="minor"/>
       </dsp:style>
       <dsp:txBody>
-        <a:bodyPr spcFirstLastPara="0" vert="horz" wrap="square" lIns="211054" tIns="21590" rIns="120904" bIns="21590" numCol="1" spcCol="1270" anchor="t" anchorCtr="0">
+        <a:bodyPr spcFirstLastPara="0" vert="horz" wrap="square" lIns="211054" tIns="20320" rIns="113792" bIns="20320" numCol="1" spcCol="1270" anchor="t" anchorCtr="0">
           <a:noAutofit/>
         </a:bodyPr>
         <a:lstStyle/>
         <a:p>
-          <a:pPr marL="114300" lvl="1" indent="-114300" algn="l" defTabSz="577850">
+          <a:pPr marL="114300" lvl="1" indent="-114300" algn="l" defTabSz="533400">
             <a:lnSpc>
               <a:spcPct val="90000"/>
             </a:lnSpc>
@@ -1770,14 +1775,14 @@
             <a:buChar char="•"/>
           </a:pPr>
           <a:r>
-            <a:rPr lang="en-GB" sz="1300" kern="1200" noProof="0" dirty="0"/>
+            <a:rPr lang="en-GB" sz="1200" kern="1200" noProof="0" dirty="0"/>
             <a:t>The pandemic created an anomaly in historical data, which needs to be accounted for to avoid skewing future projections.</a:t>
           </a:r>
         </a:p>
       </dsp:txBody>
       <dsp:txXfrm>
-        <a:off x="0" y="1294460"/>
-        <a:ext cx="6647380" cy="413482"/>
+        <a:off x="0" y="1476609"/>
+        <a:ext cx="6647380" cy="380880"/>
       </dsp:txXfrm>
     </dsp:sp>
     <dsp:sp modelId="{A1111031-E18B-4EF7-9370-2DB5BEEE19AB}">
@@ -1787,8 +1792,8 @@
       </dsp:nvSpPr>
       <dsp:spPr>
         <a:xfrm>
-          <a:off x="0" y="1707943"/>
-          <a:ext cx="6647380" cy="417690"/>
+          <a:off x="0" y="1857489"/>
+          <a:ext cx="6647380" cy="393120"/>
         </a:xfrm>
         <a:prstGeom prst="roundRect">
           <a:avLst/>
@@ -1825,12 +1830,12 @@
         </a:fontRef>
       </dsp:style>
       <dsp:txBody>
-        <a:bodyPr spcFirstLastPara="0" vert="horz" wrap="square" lIns="64770" tIns="64770" rIns="64770" bIns="64770" numCol="1" spcCol="1270" anchor="ctr" anchorCtr="0">
+        <a:bodyPr spcFirstLastPara="0" vert="horz" wrap="square" lIns="60960" tIns="60960" rIns="60960" bIns="60960" numCol="1" spcCol="1270" anchor="ctr" anchorCtr="0">
           <a:noAutofit/>
         </a:bodyPr>
         <a:lstStyle/>
         <a:p>
-          <a:pPr marL="0" lvl="0" indent="0" algn="l" defTabSz="755650">
+          <a:pPr marL="0" lvl="0" indent="0" algn="l" defTabSz="711200">
             <a:lnSpc>
               <a:spcPct val="90000"/>
             </a:lnSpc>
@@ -1843,15 +1848,15 @@
             <a:buNone/>
           </a:pPr>
           <a:r>
-            <a:rPr lang="en-GB" sz="1700" b="1" kern="1200" noProof="0" dirty="0"/>
+            <a:rPr lang="en-GB" sz="1600" b="1" kern="1200" noProof="0" dirty="0"/>
             <a:t>Population growth:</a:t>
           </a:r>
-          <a:endParaRPr lang="en-GB" sz="1700" kern="1200" noProof="0" dirty="0"/>
+          <a:endParaRPr lang="en-GB" sz="1600" kern="1200" noProof="0" dirty="0"/>
         </a:p>
       </dsp:txBody>
       <dsp:txXfrm>
-        <a:off x="20390" y="1728333"/>
-        <a:ext cx="6606600" cy="376910"/>
+        <a:off x="19191" y="1876680"/>
+        <a:ext cx="6608998" cy="354738"/>
       </dsp:txXfrm>
     </dsp:sp>
     <dsp:sp modelId="{A67FD2E1-D969-4111-BEE8-DB1AC31342AE}">
@@ -1861,8 +1866,8 @@
       </dsp:nvSpPr>
       <dsp:spPr>
         <a:xfrm>
-          <a:off x="0" y="2125633"/>
-          <a:ext cx="6647380" cy="598230"/>
+          <a:off x="0" y="2250609"/>
+          <a:ext cx="6647380" cy="546480"/>
         </a:xfrm>
         <a:prstGeom prst="rect">
           <a:avLst/>
@@ -1886,12 +1891,12 @@
         <a:fontRef idx="minor"/>
       </dsp:style>
       <dsp:txBody>
-        <a:bodyPr spcFirstLastPara="0" vert="horz" wrap="square" lIns="211054" tIns="21590" rIns="120904" bIns="21590" numCol="1" spcCol="1270" anchor="t" anchorCtr="0">
+        <a:bodyPr spcFirstLastPara="0" vert="horz" wrap="square" lIns="211054" tIns="20320" rIns="113792" bIns="20320" numCol="1" spcCol="1270" anchor="t" anchorCtr="0">
           <a:noAutofit/>
         </a:bodyPr>
         <a:lstStyle/>
         <a:p>
-          <a:pPr marL="114300" lvl="1" indent="-114300" algn="l" defTabSz="577850">
+          <a:pPr marL="114300" lvl="1" indent="-114300" algn="just" defTabSz="533400">
             <a:lnSpc>
               <a:spcPct val="90000"/>
             </a:lnSpc>
@@ -1904,14 +1909,14 @@
             <a:buChar char="•"/>
           </a:pPr>
           <a:r>
-            <a:rPr lang="en-GB" sz="1300" kern="1200" noProof="0" dirty="0"/>
+            <a:rPr lang="en-GB" sz="1200" kern="1200" noProof="0" dirty="0"/>
             <a:t>Using Local Councils and  Office for National Statistics (ONS) projections for population growth to estimate future healthcare demand. Cambridgeshire and Peterborough’s population is forecast to grow by 17% between 2022 and 2041.</a:t>
           </a:r>
         </a:p>
       </dsp:txBody>
       <dsp:txXfrm>
-        <a:off x="0" y="2125633"/>
-        <a:ext cx="6647380" cy="598230"/>
+        <a:off x="0" y="2250609"/>
+        <a:ext cx="6647380" cy="546480"/>
       </dsp:txXfrm>
     </dsp:sp>
     <dsp:sp modelId="{A4FE72FC-24B6-47E7-91E7-79987DD0D1DA}">
@@ -1921,8 +1926,8 @@
       </dsp:nvSpPr>
       <dsp:spPr>
         <a:xfrm>
-          <a:off x="0" y="2723863"/>
-          <a:ext cx="6647380" cy="417690"/>
+          <a:off x="0" y="2797089"/>
+          <a:ext cx="6647380" cy="393120"/>
         </a:xfrm>
         <a:prstGeom prst="roundRect">
           <a:avLst/>
@@ -1959,12 +1964,12 @@
         </a:fontRef>
       </dsp:style>
       <dsp:txBody>
-        <a:bodyPr spcFirstLastPara="0" vert="horz" wrap="square" lIns="64770" tIns="64770" rIns="64770" bIns="64770" numCol="1" spcCol="1270" anchor="ctr" anchorCtr="0">
+        <a:bodyPr spcFirstLastPara="0" vert="horz" wrap="square" lIns="60960" tIns="60960" rIns="60960" bIns="60960" numCol="1" spcCol="1270" anchor="ctr" anchorCtr="0">
           <a:noAutofit/>
         </a:bodyPr>
         <a:lstStyle/>
         <a:p>
-          <a:pPr marL="0" lvl="0" indent="0" algn="l" defTabSz="755650">
+          <a:pPr marL="0" lvl="0" indent="0" algn="l" defTabSz="711200">
             <a:lnSpc>
               <a:spcPct val="90000"/>
             </a:lnSpc>
@@ -1977,15 +1982,15 @@
             <a:buNone/>
           </a:pPr>
           <a:r>
-            <a:rPr lang="en-GB" sz="1700" b="1" kern="1200" noProof="0" dirty="0"/>
+            <a:rPr lang="en-GB" sz="1600" b="1" kern="1200" noProof="0" dirty="0"/>
             <a:t>Uncertainty:</a:t>
           </a:r>
-          <a:endParaRPr lang="en-GB" sz="1700" kern="1200" noProof="0" dirty="0"/>
+          <a:endParaRPr lang="en-GB" sz="1600" kern="1200" noProof="0" dirty="0"/>
         </a:p>
       </dsp:txBody>
       <dsp:txXfrm>
-        <a:off x="20390" y="2744253"/>
-        <a:ext cx="6606600" cy="376910"/>
+        <a:off x="19191" y="2816280"/>
+        <a:ext cx="6608998" cy="354738"/>
       </dsp:txXfrm>
     </dsp:sp>
     <dsp:sp modelId="{3E777754-D98C-46A2-AEE4-BD08C00D82FF}">
@@ -1995,8 +2000,8 @@
       </dsp:nvSpPr>
       <dsp:spPr>
         <a:xfrm>
-          <a:off x="0" y="3141553"/>
-          <a:ext cx="6647380" cy="413482"/>
+          <a:off x="0" y="3190209"/>
+          <a:ext cx="6647380" cy="380880"/>
         </a:xfrm>
         <a:prstGeom prst="rect">
           <a:avLst/>
@@ -2020,12 +2025,12 @@
         <a:fontRef idx="minor"/>
       </dsp:style>
       <dsp:txBody>
-        <a:bodyPr spcFirstLastPara="0" vert="horz" wrap="square" lIns="211054" tIns="21590" rIns="120904" bIns="21590" numCol="1" spcCol="1270" anchor="t" anchorCtr="0">
+        <a:bodyPr spcFirstLastPara="0" vert="horz" wrap="square" lIns="211054" tIns="20320" rIns="113792" bIns="20320" numCol="1" spcCol="1270" anchor="t" anchorCtr="0">
           <a:noAutofit/>
         </a:bodyPr>
         <a:lstStyle/>
         <a:p>
-          <a:pPr marL="114300" lvl="1" indent="-114300" algn="l" defTabSz="577850">
+          <a:pPr marL="114300" lvl="1" indent="-114300" algn="l" defTabSz="533400">
             <a:lnSpc>
               <a:spcPct val="90000"/>
             </a:lnSpc>
@@ -2038,14 +2043,14 @@
             <a:buChar char="•"/>
           </a:pPr>
           <a:r>
-            <a:rPr lang="en-GB" sz="1300" kern="1200" noProof="0" dirty="0"/>
+            <a:rPr lang="en-GB" sz="1200" kern="1200" noProof="0" dirty="0"/>
             <a:t>The further the time horizon (e.g., 2040), the greater the uncertainty due to unforeseen changes in policy, technology, or societal behaviour.</a:t>
           </a:r>
         </a:p>
       </dsp:txBody>
       <dsp:txXfrm>
-        <a:off x="0" y="3141553"/>
-        <a:ext cx="6647380" cy="413482"/>
+        <a:off x="0" y="3190209"/>
+        <a:ext cx="6647380" cy="380880"/>
       </dsp:txXfrm>
     </dsp:sp>
     <dsp:sp modelId="{855ABBE7-CF0A-47B5-B67C-DFCCC48E823D}">
@@ -2055,8 +2060,8 @@
       </dsp:nvSpPr>
       <dsp:spPr>
         <a:xfrm>
-          <a:off x="0" y="3555035"/>
-          <a:ext cx="6647380" cy="417690"/>
+          <a:off x="0" y="3571089"/>
+          <a:ext cx="6647380" cy="393120"/>
         </a:xfrm>
         <a:prstGeom prst="roundRect">
           <a:avLst/>
@@ -2093,12 +2098,12 @@
         </a:fontRef>
       </dsp:style>
       <dsp:txBody>
-        <a:bodyPr spcFirstLastPara="0" vert="horz" wrap="square" lIns="64770" tIns="64770" rIns="64770" bIns="64770" numCol="1" spcCol="1270" anchor="ctr" anchorCtr="0">
+        <a:bodyPr spcFirstLastPara="0" vert="horz" wrap="square" lIns="60960" tIns="60960" rIns="60960" bIns="60960" numCol="1" spcCol="1270" anchor="ctr" anchorCtr="0">
           <a:noAutofit/>
         </a:bodyPr>
         <a:lstStyle/>
         <a:p>
-          <a:pPr marL="0" lvl="0" indent="0" algn="l" defTabSz="755650">
+          <a:pPr marL="0" lvl="0" indent="0" algn="l" defTabSz="711200">
             <a:lnSpc>
               <a:spcPct val="90000"/>
             </a:lnSpc>
@@ -2111,15 +2116,15 @@
             <a:buNone/>
           </a:pPr>
           <a:r>
-            <a:rPr lang="en-GB" sz="1700" b="1" kern="1200" noProof="0" dirty="0"/>
+            <a:rPr lang="en-GB" sz="1600" b="1" kern="1200" noProof="0" dirty="0"/>
             <a:t>Action Mitigators:</a:t>
           </a:r>
-          <a:endParaRPr lang="en-GB" sz="1700" kern="1200" noProof="0" dirty="0"/>
+          <a:endParaRPr lang="en-GB" sz="1600" kern="1200" noProof="0" dirty="0"/>
         </a:p>
       </dsp:txBody>
       <dsp:txXfrm>
-        <a:off x="20390" y="3575425"/>
-        <a:ext cx="6606600" cy="376910"/>
+        <a:off x="19191" y="3590280"/>
+        <a:ext cx="6608998" cy="354738"/>
       </dsp:txXfrm>
     </dsp:sp>
     <dsp:sp modelId="{39C86657-1793-4C92-8B47-89E9CA2A0AB4}">
@@ -2129,8 +2134,8 @@
       </dsp:nvSpPr>
       <dsp:spPr>
         <a:xfrm>
-          <a:off x="0" y="3972725"/>
-          <a:ext cx="6647380" cy="413482"/>
+          <a:off x="0" y="3964209"/>
+          <a:ext cx="6647380" cy="380880"/>
         </a:xfrm>
         <a:prstGeom prst="rect">
           <a:avLst/>
@@ -2154,12 +2159,12 @@
         <a:fontRef idx="minor"/>
       </dsp:style>
       <dsp:txBody>
-        <a:bodyPr spcFirstLastPara="0" vert="horz" wrap="square" lIns="211054" tIns="21590" rIns="120904" bIns="21590" numCol="1" spcCol="1270" anchor="t" anchorCtr="0">
+        <a:bodyPr spcFirstLastPara="0" vert="horz" wrap="square" lIns="211054" tIns="20320" rIns="113792" bIns="20320" numCol="1" spcCol="1270" anchor="t" anchorCtr="0">
           <a:noAutofit/>
         </a:bodyPr>
         <a:lstStyle/>
         <a:p>
-          <a:pPr marL="114300" lvl="1" indent="-114300" algn="l" defTabSz="577850">
+          <a:pPr marL="114300" lvl="1" indent="-114300" algn="just" defTabSz="533400">
             <a:lnSpc>
               <a:spcPct val="90000"/>
             </a:lnSpc>
@@ -2172,14 +2177,14 @@
             <a:buChar char="•"/>
           </a:pPr>
           <a:r>
-            <a:rPr lang="en-GB" sz="1300" kern="1200" noProof="0" dirty="0"/>
+            <a:rPr lang="en-GB" sz="1200" kern="1200" noProof="0" dirty="0"/>
             <a:t>Interventions or policies designed to reduce A&amp;E demand or manage patient flow more effectively. </a:t>
           </a:r>
         </a:p>
       </dsp:txBody>
       <dsp:txXfrm>
-        <a:off x="0" y="3972725"/>
-        <a:ext cx="6647380" cy="413482"/>
+        <a:off x="0" y="3964209"/>
+        <a:ext cx="6647380" cy="380880"/>
       </dsp:txXfrm>
     </dsp:sp>
     <dsp:sp modelId="{B8F89AC5-FDD7-4337-9D8C-1AA5B9FB73DD}">
@@ -2189,8 +2194,8 @@
       </dsp:nvSpPr>
       <dsp:spPr>
         <a:xfrm>
-          <a:off x="0" y="4386208"/>
-          <a:ext cx="6647380" cy="417690"/>
+          <a:off x="0" y="4345089"/>
+          <a:ext cx="6647380" cy="393120"/>
         </a:xfrm>
         <a:prstGeom prst="roundRect">
           <a:avLst/>
@@ -2227,12 +2232,12 @@
         </a:fontRef>
       </dsp:style>
       <dsp:txBody>
-        <a:bodyPr spcFirstLastPara="0" vert="horz" wrap="square" lIns="64770" tIns="64770" rIns="64770" bIns="64770" numCol="1" spcCol="1270" anchor="ctr" anchorCtr="0">
+        <a:bodyPr spcFirstLastPara="0" vert="horz" wrap="square" lIns="60960" tIns="60960" rIns="60960" bIns="60960" numCol="1" spcCol="1270" anchor="ctr" anchorCtr="0">
           <a:noAutofit/>
         </a:bodyPr>
         <a:lstStyle/>
         <a:p>
-          <a:pPr marL="0" lvl="0" indent="0" algn="l" defTabSz="755650">
+          <a:pPr marL="0" lvl="0" indent="0" algn="l" defTabSz="711200">
             <a:lnSpc>
               <a:spcPct val="90000"/>
             </a:lnSpc>
@@ -2245,15 +2250,15 @@
             <a:buNone/>
           </a:pPr>
           <a:r>
-            <a:rPr lang="en-GB" sz="1700" b="1" kern="1200" noProof="0" dirty="0"/>
+            <a:rPr lang="en-GB" sz="1600" b="1" kern="1200" noProof="0" dirty="0"/>
             <a:t>Planned service changes </a:t>
           </a:r>
-          <a:endParaRPr lang="en-GB" sz="1700" kern="1200" noProof="0" dirty="0"/>
+          <a:endParaRPr lang="en-GB" sz="1600" kern="1200" noProof="0" dirty="0"/>
         </a:p>
       </dsp:txBody>
       <dsp:txXfrm>
-        <a:off x="20390" y="4406598"/>
-        <a:ext cx="6606600" cy="376910"/>
+        <a:off x="19191" y="4364280"/>
+        <a:ext cx="6608998" cy="354738"/>
       </dsp:txXfrm>
     </dsp:sp>
     <dsp:sp modelId="{4AEC4875-3405-41AA-A48D-84037E1E91BD}">
@@ -2263,8 +2268,8 @@
       </dsp:nvSpPr>
       <dsp:spPr>
         <a:xfrm>
-          <a:off x="0" y="4803898"/>
-          <a:ext cx="6647380" cy="413482"/>
+          <a:off x="0" y="4738209"/>
+          <a:ext cx="6647380" cy="380880"/>
         </a:xfrm>
         <a:prstGeom prst="rect">
           <a:avLst/>
@@ -2288,12 +2293,12 @@
         <a:fontRef idx="minor"/>
       </dsp:style>
       <dsp:txBody>
-        <a:bodyPr spcFirstLastPara="0" vert="horz" wrap="square" lIns="211054" tIns="21590" rIns="120904" bIns="21590" numCol="1" spcCol="1270" anchor="t" anchorCtr="0">
+        <a:bodyPr spcFirstLastPara="0" vert="horz" wrap="square" lIns="211054" tIns="20320" rIns="113792" bIns="20320" numCol="1" spcCol="1270" anchor="t" anchorCtr="0">
           <a:noAutofit/>
         </a:bodyPr>
         <a:lstStyle/>
         <a:p>
-          <a:pPr marL="114300" lvl="1" indent="-114300" algn="l" defTabSz="577850">
+          <a:pPr marL="114300" lvl="1" indent="-114300" algn="just" defTabSz="533400">
             <a:lnSpc>
               <a:spcPct val="90000"/>
             </a:lnSpc>
@@ -2306,14 +2311,14 @@
             <a:buChar char="•"/>
           </a:pPr>
           <a:r>
-            <a:rPr lang="en-GB" sz="1300" kern="1200" noProof="0" dirty="0"/>
+            <a:rPr lang="en-GB" sz="1200" kern="1200" noProof="0" dirty="0"/>
             <a:t>Anticipated changes in healthcare delivery that may affect A&amp;E attendances, either by increasing or reducing demand.</a:t>
           </a:r>
         </a:p>
       </dsp:txBody>
       <dsp:txXfrm>
-        <a:off x="0" y="4803898"/>
-        <a:ext cx="6647380" cy="413482"/>
+        <a:off x="0" y="4738209"/>
+        <a:ext cx="6647380" cy="380880"/>
       </dsp:txXfrm>
     </dsp:sp>
   </dsp:spTree>
@@ -3603,7 +3608,7 @@
           <a:p>
             <a:fld id="{83EF44FE-4A2E-4862-94FB-3967FC2B1B44}" type="datetimeFigureOut">
               <a:rPr lang="en-GB" smtClean="0"/>
-              <a:t>23/01/2025</a:t>
+              <a:t>26/01/2025</a:t>
             </a:fld>
             <a:endParaRPr lang="en-GB"/>
           </a:p>
@@ -4272,7 +4277,7 @@
           <a:p>
             <a:fld id="{B2A66260-4E50-4854-9B95-117141830B6C}" type="datetimeFigureOut">
               <a:rPr lang="en-GB" smtClean="0"/>
-              <a:t>23/01/2025</a:t>
+              <a:t>26/01/2025</a:t>
             </a:fld>
             <a:endParaRPr lang="en-GB"/>
           </a:p>
@@ -4472,7 +4477,7 @@
           <a:p>
             <a:fld id="{B2A66260-4E50-4854-9B95-117141830B6C}" type="datetimeFigureOut">
               <a:rPr lang="en-GB" smtClean="0"/>
-              <a:t>23/01/2025</a:t>
+              <a:t>26/01/2025</a:t>
             </a:fld>
             <a:endParaRPr lang="en-GB"/>
           </a:p>
@@ -4682,7 +4687,7 @@
           <a:p>
             <a:fld id="{B2A66260-4E50-4854-9B95-117141830B6C}" type="datetimeFigureOut">
               <a:rPr lang="en-GB" smtClean="0"/>
-              <a:t>23/01/2025</a:t>
+              <a:t>26/01/2025</a:t>
             </a:fld>
             <a:endParaRPr lang="en-GB"/>
           </a:p>
@@ -4882,7 +4887,7 @@
           <a:p>
             <a:fld id="{B2A66260-4E50-4854-9B95-117141830B6C}" type="datetimeFigureOut">
               <a:rPr lang="en-GB" smtClean="0"/>
-              <a:t>23/01/2025</a:t>
+              <a:t>26/01/2025</a:t>
             </a:fld>
             <a:endParaRPr lang="en-GB"/>
           </a:p>
@@ -5158,7 +5163,7 @@
           <a:p>
             <a:fld id="{B2A66260-4E50-4854-9B95-117141830B6C}" type="datetimeFigureOut">
               <a:rPr lang="en-GB" smtClean="0"/>
-              <a:t>23/01/2025</a:t>
+              <a:t>26/01/2025</a:t>
             </a:fld>
             <a:endParaRPr lang="en-GB"/>
           </a:p>
@@ -5426,7 +5431,7 @@
           <a:p>
             <a:fld id="{B2A66260-4E50-4854-9B95-117141830B6C}" type="datetimeFigureOut">
               <a:rPr lang="en-GB" smtClean="0"/>
-              <a:t>23/01/2025</a:t>
+              <a:t>26/01/2025</a:t>
             </a:fld>
             <a:endParaRPr lang="en-GB"/>
           </a:p>
@@ -5841,7 +5846,7 @@
           <a:p>
             <a:fld id="{B2A66260-4E50-4854-9B95-117141830B6C}" type="datetimeFigureOut">
               <a:rPr lang="en-GB" smtClean="0"/>
-              <a:t>23/01/2025</a:t>
+              <a:t>26/01/2025</a:t>
             </a:fld>
             <a:endParaRPr lang="en-GB"/>
           </a:p>
@@ -5983,7 +5988,7 @@
           <a:p>
             <a:fld id="{B2A66260-4E50-4854-9B95-117141830B6C}" type="datetimeFigureOut">
               <a:rPr lang="en-GB" smtClean="0"/>
-              <a:t>23/01/2025</a:t>
+              <a:t>26/01/2025</a:t>
             </a:fld>
             <a:endParaRPr lang="en-GB"/>
           </a:p>
@@ -6096,7 +6101,7 @@
           <a:p>
             <a:fld id="{B2A66260-4E50-4854-9B95-117141830B6C}" type="datetimeFigureOut">
               <a:rPr lang="en-GB" smtClean="0"/>
-              <a:t>23/01/2025</a:t>
+              <a:t>26/01/2025</a:t>
             </a:fld>
             <a:endParaRPr lang="en-GB"/>
           </a:p>
@@ -6409,7 +6414,7 @@
           <a:p>
             <a:fld id="{B2A66260-4E50-4854-9B95-117141830B6C}" type="datetimeFigureOut">
               <a:rPr lang="en-GB" smtClean="0"/>
-              <a:t>23/01/2025</a:t>
+              <a:t>26/01/2025</a:t>
             </a:fld>
             <a:endParaRPr lang="en-GB"/>
           </a:p>
@@ -6698,7 +6703,7 @@
           <a:p>
             <a:fld id="{B2A66260-4E50-4854-9B95-117141830B6C}" type="datetimeFigureOut">
               <a:rPr lang="en-GB" smtClean="0"/>
-              <a:t>23/01/2025</a:t>
+              <a:t>26/01/2025</a:t>
             </a:fld>
             <a:endParaRPr lang="en-GB"/>
           </a:p>
@@ -6941,7 +6946,7 @@
           <a:p>
             <a:fld id="{B2A66260-4E50-4854-9B95-117141830B6C}" type="datetimeFigureOut">
               <a:rPr lang="en-GB" smtClean="0"/>
-              <a:t>23/01/2025</a:t>
+              <a:t>26/01/2025</a:t>
             </a:fld>
             <a:endParaRPr lang="en-GB"/>
           </a:p>
@@ -11413,7 +11418,7 @@
           <p:nvPr>
             <p:extLst>
               <p:ext uri="{D42A27DB-BD31-4B8C-83A1-F6EECF244321}">
-                <p14:modId xmlns:p14="http://schemas.microsoft.com/office/powerpoint/2010/main" val="3370402846"/>
+                <p14:modId xmlns:p14="http://schemas.microsoft.com/office/powerpoint/2010/main" val="170779429"/>
               </p:ext>
             </p:extLst>
           </p:nvPr>
@@ -11510,158 +11515,12 @@
           <a:chExt cx="0" cy="0"/>
         </a:xfrm>
       </p:grpSpPr>
-      <p:sp>
-        <p:nvSpPr>
-          <p:cNvPr id="4" name="Title 1">
+      <p:pic>
+        <p:nvPicPr>
+          <p:cNvPr id="1028" name="Picture 4">
             <a:extLst>
               <a:ext uri="{FF2B5EF4-FFF2-40B4-BE49-F238E27FC236}">
-                <a16:creationId xmlns:a16="http://schemas.microsoft.com/office/drawing/2014/main" id="{797732F8-6D7C-611E-7E5D-15701AE5CC8E}"/>
-              </a:ext>
-            </a:extLst>
-          </p:cNvPr>
-          <p:cNvSpPr>
-            <a:spLocks noGrp="1"/>
-          </p:cNvSpPr>
-          <p:nvPr>
-            <p:ph type="title"/>
-          </p:nvPr>
-        </p:nvSpPr>
-        <p:spPr>
-          <a:xfrm>
-            <a:off x="411480" y="0"/>
-            <a:ext cx="4974336" cy="996974"/>
-          </a:xfrm>
-        </p:spPr>
-        <p:txBody>
-          <a:bodyPr vert="horz" lIns="91440" tIns="45720" rIns="91440" bIns="45720" rtlCol="0" anchor="b">
-            <a:normAutofit/>
-          </a:bodyPr>
-          <a:lstStyle/>
-          <a:p>
-            <a:r>
-              <a:rPr lang="en-GB" kern="1200" noProof="0" dirty="0">
-                <a:solidFill>
-                  <a:schemeClr val="tx1"/>
-                </a:solidFill>
-                <a:latin typeface="+mj-lt"/>
-                <a:ea typeface="+mj-ea"/>
-                <a:cs typeface="+mj-cs"/>
-              </a:rPr>
-              <a:t>Forecasting</a:t>
-            </a:r>
-          </a:p>
-        </p:txBody>
-      </p:sp>
-      <p:sp>
-        <p:nvSpPr>
-          <p:cNvPr id="6" name="TextBox 5">
-            <a:extLst>
-              <a:ext uri="{FF2B5EF4-FFF2-40B4-BE49-F238E27FC236}">
-                <a16:creationId xmlns:a16="http://schemas.microsoft.com/office/drawing/2014/main" id="{227D74EC-AB6D-4017-E33A-6587C226F2BA}"/>
-              </a:ext>
-            </a:extLst>
-          </p:cNvPr>
-          <p:cNvSpPr txBox="1"/>
-          <p:nvPr/>
-        </p:nvSpPr>
-        <p:spPr>
-          <a:xfrm>
-            <a:off x="411480" y="1354234"/>
-            <a:ext cx="4808305" cy="4686969"/>
-          </a:xfrm>
-          <a:prstGeom prst="rect">
-            <a:avLst/>
-          </a:prstGeom>
-        </p:spPr>
-        <p:txBody>
-          <a:bodyPr vert="horz" lIns="91440" tIns="45720" rIns="91440" bIns="45720" rtlCol="0">
-            <a:normAutofit lnSpcReduction="10000"/>
-          </a:bodyPr>
-          <a:lstStyle/>
-          <a:p>
-            <a:pPr marL="228600" indent="-228600" algn="just">
-              <a:lnSpc>
-                <a:spcPct val="90000"/>
-              </a:lnSpc>
-              <a:spcAft>
-                <a:spcPts val="600"/>
-              </a:spcAft>
-              <a:buFont typeface="Arial" panose="020B0604020202020204" pitchFamily="34" charset="0"/>
-              <a:buChar char="•"/>
-            </a:pPr>
-            <a:r>
-              <a:rPr lang="en-GB" sz="1600" b="1" noProof="0" dirty="0"/>
-              <a:t>Monte Carlo </a:t>
-            </a:r>
-            <a:r>
-              <a:rPr lang="en-GB" sz="1600" noProof="0" dirty="0"/>
-              <a:t>simulation was chosen for its ability to model uncertainty by generating a range of possible outcomes, making it well-suited for long-term forecasting where variability and complex factors like population growth and demand fluctuations must be accounted for.</a:t>
-            </a:r>
-          </a:p>
-          <a:p>
-            <a:pPr marL="228600" indent="-228600">
-              <a:lnSpc>
-                <a:spcPct val="90000"/>
-              </a:lnSpc>
-              <a:spcAft>
-                <a:spcPts val="600"/>
-              </a:spcAft>
-              <a:buFont typeface="Arial" panose="020B0604020202020204" pitchFamily="34" charset="0"/>
-              <a:buChar char="•"/>
-            </a:pPr>
-            <a:r>
-              <a:rPr lang="en-US" sz="1600" dirty="0"/>
-              <a:t>Given the inherent uncertainty in the model's output over a long-time horizon, we can improve stakeholder communication by translating the forecast into actionable insights through scenario modelling (e.g., optimistic, neutral, and pessimistic scenarios).</a:t>
-            </a:r>
-          </a:p>
-          <a:p>
-            <a:pPr marL="228600" indent="-228600">
-              <a:buFont typeface="Arial" panose="020B0604020202020204" pitchFamily="34" charset="0"/>
-              <a:buChar char="•"/>
-            </a:pPr>
-            <a:r>
-              <a:rPr lang="en-US" sz="1600" dirty="0"/>
-              <a:t>By delivering scenario-driven insights, we enable senior management to develop actionable strategies, such as:</a:t>
-            </a:r>
-          </a:p>
-          <a:p>
-            <a:pPr marL="685800" lvl="2" indent="-228600">
-              <a:buFont typeface="Arial" panose="020B0604020202020204" pitchFamily="34" charset="0"/>
-              <a:buChar char="•"/>
-            </a:pPr>
-            <a:r>
-              <a:rPr lang="en-US" sz="1600" dirty="0"/>
-              <a:t>Aligning workforce planning with anticipated demand.</a:t>
-            </a:r>
-          </a:p>
-          <a:p>
-            <a:pPr marL="685800" lvl="2" indent="-228600">
-              <a:buFont typeface="Arial" panose="020B0604020202020204" pitchFamily="34" charset="0"/>
-              <a:buChar char="•"/>
-            </a:pPr>
-            <a:r>
-              <a:rPr lang="en-US" sz="1600" dirty="0"/>
-              <a:t>Scaling capacity and infrastructure to meet projected needs.</a:t>
-            </a:r>
-          </a:p>
-          <a:p>
-            <a:pPr marL="685800" lvl="2" indent="-228600">
-              <a:buFont typeface="Arial" panose="020B0604020202020204" pitchFamily="34" charset="0"/>
-              <a:buChar char="•"/>
-            </a:pPr>
-            <a:r>
-              <a:rPr lang="en-US" sz="1600" dirty="0"/>
-              <a:t>Enhancing patient flow across services for greater efficiency.</a:t>
-            </a:r>
-          </a:p>
-        </p:txBody>
-      </p:sp>
-      <p:pic>
-        <p:nvPicPr>
-          <p:cNvPr id="2050" name="Picture 2">
-            <a:extLst>
-              <a:ext uri="{FF2B5EF4-FFF2-40B4-BE49-F238E27FC236}">
-                <a16:creationId xmlns:a16="http://schemas.microsoft.com/office/drawing/2014/main" id="{3872D911-81EE-1673-97BE-01CA4F0D409D}"/>
+                <a16:creationId xmlns:a16="http://schemas.microsoft.com/office/drawing/2014/main" id="{A29F8358-F604-F804-327A-4A908A713909}"/>
               </a:ext>
             </a:extLst>
           </p:cNvPr>
@@ -11685,8 +11544,8 @@
         </p:blipFill>
         <p:spPr bwMode="auto">
           <a:xfrm>
-            <a:off x="5385814" y="498487"/>
-            <a:ext cx="6680198" cy="4288231"/>
+            <a:off x="4054234" y="258158"/>
+            <a:ext cx="8137766" cy="4722505"/>
           </a:xfrm>
           <a:prstGeom prst="rect">
             <a:avLst/>
@@ -11705,6 +11564,169 @@
       </p:pic>
       <p:sp>
         <p:nvSpPr>
+          <p:cNvPr id="4" name="Title 1">
+            <a:extLst>
+              <a:ext uri="{FF2B5EF4-FFF2-40B4-BE49-F238E27FC236}">
+                <a16:creationId xmlns:a16="http://schemas.microsoft.com/office/drawing/2014/main" id="{797732F8-6D7C-611E-7E5D-15701AE5CC8E}"/>
+              </a:ext>
+            </a:extLst>
+          </p:cNvPr>
+          <p:cNvSpPr>
+            <a:spLocks noGrp="1"/>
+          </p:cNvSpPr>
+          <p:nvPr>
+            <p:ph type="title"/>
+          </p:nvPr>
+        </p:nvSpPr>
+        <p:spPr>
+          <a:xfrm>
+            <a:off x="411480" y="-1"/>
+            <a:ext cx="4974336" cy="1095409"/>
+          </a:xfrm>
+        </p:spPr>
+        <p:txBody>
+          <a:bodyPr vert="horz" lIns="91440" tIns="45720" rIns="91440" bIns="45720" rtlCol="0" anchor="b">
+            <a:normAutofit/>
+          </a:bodyPr>
+          <a:lstStyle/>
+          <a:p>
+            <a:r>
+              <a:rPr lang="en-GB" kern="1200" noProof="0" dirty="0">
+                <a:solidFill>
+                  <a:schemeClr val="tx1"/>
+                </a:solidFill>
+                <a:latin typeface="+mj-lt"/>
+                <a:ea typeface="+mj-ea"/>
+                <a:cs typeface="+mj-cs"/>
+              </a:rPr>
+              <a:t>Forecasting</a:t>
+            </a:r>
+          </a:p>
+        </p:txBody>
+      </p:sp>
+      <p:sp>
+        <p:nvSpPr>
+          <p:cNvPr id="6" name="TextBox 5">
+            <a:extLst>
+              <a:ext uri="{FF2B5EF4-FFF2-40B4-BE49-F238E27FC236}">
+                <a16:creationId xmlns:a16="http://schemas.microsoft.com/office/drawing/2014/main" id="{227D74EC-AB6D-4017-E33A-6587C226F2BA}"/>
+              </a:ext>
+            </a:extLst>
+          </p:cNvPr>
+          <p:cNvSpPr txBox="1"/>
+          <p:nvPr/>
+        </p:nvSpPr>
+        <p:spPr>
+          <a:xfrm>
+            <a:off x="175641" y="1403186"/>
+            <a:ext cx="3759362" cy="5356445"/>
+          </a:xfrm>
+          <a:prstGeom prst="rect">
+            <a:avLst/>
+          </a:prstGeom>
+        </p:spPr>
+        <p:txBody>
+          <a:bodyPr vert="horz" lIns="91440" tIns="45720" rIns="91440" bIns="45720" rtlCol="0">
+            <a:normAutofit lnSpcReduction="10000"/>
+          </a:bodyPr>
+          <a:lstStyle/>
+          <a:p>
+            <a:pPr marL="228600" indent="-228600" algn="just">
+              <a:lnSpc>
+                <a:spcPct val="90000"/>
+              </a:lnSpc>
+              <a:spcAft>
+                <a:spcPts val="600"/>
+              </a:spcAft>
+              <a:buFont typeface="Arial" panose="020B0604020202020204" pitchFamily="34" charset="0"/>
+              <a:buChar char="•"/>
+            </a:pPr>
+            <a:r>
+              <a:rPr lang="en-GB" sz="1400" b="1" noProof="0" dirty="0"/>
+              <a:t>Monte Carlo </a:t>
+            </a:r>
+            <a:r>
+              <a:rPr lang="en-GB" sz="1400" noProof="0" dirty="0"/>
+              <a:t>simulation was chosen for its ability to model uncertainty by generating a range of possible outcomes, making it well-suited for long-term forecasting where variability and complex factors like population growth and demand fluctuations must be accounted for.</a:t>
+            </a:r>
+          </a:p>
+          <a:p>
+            <a:pPr marL="228600" indent="-228600" algn="just">
+              <a:lnSpc>
+                <a:spcPct val="90000"/>
+              </a:lnSpc>
+              <a:spcAft>
+                <a:spcPts val="600"/>
+              </a:spcAft>
+              <a:buFont typeface="Arial" panose="020B0604020202020204" pitchFamily="34" charset="0"/>
+              <a:buChar char="•"/>
+            </a:pPr>
+            <a:r>
+              <a:rPr lang="en-US" sz="1400" dirty="0"/>
+              <a:t>The model randomly samples historical growth rates, and factors in the provided population growth, to simulate 10,000 different potential future scenarios.</a:t>
+            </a:r>
+            <a:endParaRPr lang="en-GB" sz="1400" noProof="0" dirty="0"/>
+          </a:p>
+          <a:p>
+            <a:pPr marL="228600" indent="-228600" algn="just">
+              <a:lnSpc>
+                <a:spcPct val="90000"/>
+              </a:lnSpc>
+              <a:spcAft>
+                <a:spcPts val="600"/>
+              </a:spcAft>
+              <a:buFont typeface="Arial" panose="020B0604020202020204" pitchFamily="34" charset="0"/>
+              <a:buChar char="•"/>
+            </a:pPr>
+            <a:r>
+              <a:rPr lang="en-US" sz="1400" dirty="0"/>
+              <a:t>Given the inherent uncertainty in the model's output over a long-time horizon, we can improve stakeholder communication by translating the forecast into actionable insights through scenario modelling (e.g., optimistic, neutral, and pessimistic scenarios).</a:t>
+            </a:r>
+          </a:p>
+          <a:p>
+            <a:pPr marL="228600" indent="-228600" algn="just">
+              <a:buFont typeface="Arial" panose="020B0604020202020204" pitchFamily="34" charset="0"/>
+              <a:buChar char="•"/>
+            </a:pPr>
+            <a:r>
+              <a:rPr lang="en-US" sz="1400" dirty="0"/>
+              <a:t>By delivering scenario-driven insights, we enable senior management to develop actionable strategies, such as:</a:t>
+            </a:r>
+          </a:p>
+          <a:p>
+            <a:pPr marL="685800" lvl="2" indent="-228600" algn="just">
+              <a:buFont typeface="Arial" panose="020B0604020202020204" pitchFamily="34" charset="0"/>
+              <a:buChar char="•"/>
+            </a:pPr>
+            <a:r>
+              <a:rPr lang="en-US" sz="1400" dirty="0"/>
+              <a:t>Aligning workforce planning with anticipated demand.</a:t>
+            </a:r>
+          </a:p>
+          <a:p>
+            <a:pPr marL="685800" lvl="2" indent="-228600" algn="just">
+              <a:buFont typeface="Arial" panose="020B0604020202020204" pitchFamily="34" charset="0"/>
+              <a:buChar char="•"/>
+            </a:pPr>
+            <a:r>
+              <a:rPr lang="en-US" sz="1400" dirty="0"/>
+              <a:t>Scaling capacity and infrastructure to meet projected needs.</a:t>
+            </a:r>
+          </a:p>
+          <a:p>
+            <a:pPr marL="685800" lvl="2" indent="-228600" algn="just">
+              <a:buFont typeface="Arial" panose="020B0604020202020204" pitchFamily="34" charset="0"/>
+              <a:buChar char="•"/>
+            </a:pPr>
+            <a:r>
+              <a:rPr lang="en-US" sz="1400" dirty="0"/>
+              <a:t>Enhancing patient flow across services for greater efficiency.</a:t>
+            </a:r>
+          </a:p>
+        </p:txBody>
+      </p:sp>
+      <p:sp>
+        <p:nvSpPr>
           <p:cNvPr id="2" name="TextBox 1">
             <a:extLst>
               <a:ext uri="{FF2B5EF4-FFF2-40B4-BE49-F238E27FC236}">
@@ -11717,7 +11739,7 @@
         </p:nvSpPr>
         <p:spPr>
           <a:xfrm>
-            <a:off x="7338902" y="4785679"/>
+            <a:off x="6736107" y="4826775"/>
             <a:ext cx="2774021" cy="307777"/>
           </a:xfrm>
           <a:prstGeom prst="rect">
@@ -11755,7 +11777,7 @@
         </p:nvSpPr>
         <p:spPr>
           <a:xfrm>
-            <a:off x="5385816" y="6195315"/>
+            <a:off x="4783019" y="6236411"/>
             <a:ext cx="6680196" cy="523220"/>
           </a:xfrm>
           <a:prstGeom prst="rect">
@@ -11780,10 +11802,10 @@
       </p:sp>
       <p:graphicFrame>
         <p:nvGraphicFramePr>
-          <p:cNvPr id="9" name="Table 8">
+          <p:cNvPr id="3" name="Table 2">
             <a:extLst>
               <a:ext uri="{FF2B5EF4-FFF2-40B4-BE49-F238E27FC236}">
-                <a16:creationId xmlns:a16="http://schemas.microsoft.com/office/drawing/2014/main" id="{82EDA100-D093-945B-CDFB-005486E072F9}"/>
+                <a16:creationId xmlns:a16="http://schemas.microsoft.com/office/drawing/2014/main" id="{75760B30-EC38-FBC1-FE72-C828EB356B30}"/>
               </a:ext>
             </a:extLst>
           </p:cNvPr>
@@ -11793,65 +11815,65 @@
           <p:nvPr>
             <p:extLst>
               <p:ext uri="{D42A27DB-BD31-4B8C-83A1-F6EECF244321}">
-                <p14:modId xmlns:p14="http://schemas.microsoft.com/office/powerpoint/2010/main" val="492188996"/>
+                <p14:modId xmlns:p14="http://schemas.microsoft.com/office/powerpoint/2010/main" val="2381696033"/>
               </p:ext>
             </p:extLst>
           </p:nvPr>
         </p:nvGraphicFramePr>
         <p:xfrm>
-          <a:off x="5435464" y="5198615"/>
-          <a:ext cx="6580896" cy="891540"/>
+          <a:off x="4922319" y="5239055"/>
+          <a:ext cx="6401596" cy="952500"/>
         </p:xfrm>
         <a:graphic>
           <a:graphicData uri="http://schemas.openxmlformats.org/drawingml/2006/table">
             <a:tbl>
               <a:tblPr/>
               <a:tblGrid>
-                <a:gridCol w="2156867">
+                <a:gridCol w="3143528">
                   <a:extLst>
                     <a:ext uri="{9D8B030D-6E8A-4147-A177-3AD203B41FA5}">
-                      <a16:colId xmlns:a16="http://schemas.microsoft.com/office/drawing/2014/main" val="1562075647"/>
+                      <a16:colId xmlns:a16="http://schemas.microsoft.com/office/drawing/2014/main" val="1350089322"/>
                     </a:ext>
                   </a:extLst>
                 </a:gridCol>
-                <a:gridCol w="1164218">
+                <a:gridCol w="814517">
                   <a:extLst>
                     <a:ext uri="{9D8B030D-6E8A-4147-A177-3AD203B41FA5}">
-                      <a16:colId xmlns:a16="http://schemas.microsoft.com/office/drawing/2014/main" val="4069283485"/>
+                      <a16:colId xmlns:a16="http://schemas.microsoft.com/office/drawing/2014/main" val="3356686353"/>
                     </a:ext>
                   </a:extLst>
                 </a:gridCol>
-                <a:gridCol w="1017159">
+                <a:gridCol w="814517">
                   <a:extLst>
                     <a:ext uri="{9D8B030D-6E8A-4147-A177-3AD203B41FA5}">
-                      <a16:colId xmlns:a16="http://schemas.microsoft.com/office/drawing/2014/main" val="1085439831"/>
+                      <a16:colId xmlns:a16="http://schemas.microsoft.com/office/drawing/2014/main" val="1273030842"/>
                     </a:ext>
                   </a:extLst>
                 </a:gridCol>
-                <a:gridCol w="1078434">
+                <a:gridCol w="814517">
                   <a:extLst>
                     <a:ext uri="{9D8B030D-6E8A-4147-A177-3AD203B41FA5}">
-                      <a16:colId xmlns:a16="http://schemas.microsoft.com/office/drawing/2014/main" val="988732765"/>
+                      <a16:colId xmlns:a16="http://schemas.microsoft.com/office/drawing/2014/main" val="4065269379"/>
                     </a:ext>
                   </a:extLst>
                 </a:gridCol>
-                <a:gridCol w="1164218">
+                <a:gridCol w="814517">
                   <a:extLst>
                     <a:ext uri="{9D8B030D-6E8A-4147-A177-3AD203B41FA5}">
-                      <a16:colId xmlns:a16="http://schemas.microsoft.com/office/drawing/2014/main" val="3888170762"/>
+                      <a16:colId xmlns:a16="http://schemas.microsoft.com/office/drawing/2014/main" val="879650124"/>
                     </a:ext>
                   </a:extLst>
                 </a:gridCol>
               </a:tblGrid>
-              <a:tr h="190500">
+              <a:tr h="238125">
                 <a:tc>
                   <a:txBody>
                     <a:bodyPr/>
                     <a:lstStyle/>
                     <a:p>
-                      <a:pPr algn="ctr" fontAlgn="b"/>
+                      <a:pPr algn="ctr" rtl="0" fontAlgn="b"/>
                       <a:r>
-                        <a:rPr lang="en-GB" sz="1400" b="1" i="0" u="none" strike="noStrike" dirty="0">
+                        <a:rPr lang="en-GB" sz="1400" b="1" i="0" u="none" strike="noStrike">
                           <a:solidFill>
                             <a:srgbClr val="FFFFFF"/>
                           </a:solidFill>
@@ -11909,9 +11931,9 @@
                     <a:bodyPr/>
                     <a:lstStyle/>
                     <a:p>
-                      <a:pPr algn="ctr" fontAlgn="b"/>
+                      <a:pPr algn="ctr" rtl="0" fontAlgn="b"/>
                       <a:r>
-                        <a:rPr lang="en-GB" sz="1400" b="1" i="0" u="none" strike="noStrike" dirty="0">
+                        <a:rPr lang="en-GB" sz="1400" b="1" i="0" u="none" strike="noStrike">
                           <a:solidFill>
                             <a:srgbClr val="FFFFFF"/>
                           </a:solidFill>
@@ -11969,9 +11991,9 @@
                     <a:bodyPr/>
                     <a:lstStyle/>
                     <a:p>
-                      <a:pPr algn="ctr" fontAlgn="b"/>
+                      <a:pPr algn="ctr" rtl="0" fontAlgn="b"/>
                       <a:r>
-                        <a:rPr lang="en-GB" sz="1400" b="1" i="0" u="none" strike="noStrike" dirty="0">
+                        <a:rPr lang="en-GB" sz="1400" b="1" i="0" u="none" strike="noStrike">
                           <a:solidFill>
                             <a:srgbClr val="FFFFFF"/>
                           </a:solidFill>
@@ -12029,7 +12051,7 @@
                     <a:bodyPr/>
                     <a:lstStyle/>
                     <a:p>
-                      <a:pPr algn="ctr" fontAlgn="b"/>
+                      <a:pPr algn="ctr" rtl="0" fontAlgn="b"/>
                       <a:r>
                         <a:rPr lang="en-GB" sz="1400" b="1" i="0" u="none" strike="noStrike">
                           <a:solidFill>
@@ -12089,9 +12111,9 @@
                     <a:bodyPr/>
                     <a:lstStyle/>
                     <a:p>
-                      <a:pPr algn="ctr" fontAlgn="b"/>
+                      <a:pPr algn="ctr" rtl="0" fontAlgn="b"/>
                       <a:r>
-                        <a:rPr lang="en-GB" sz="1400" b="1" i="0" u="none" strike="noStrike" dirty="0">
+                        <a:rPr lang="en-GB" sz="1400" b="1" i="0" u="none" strike="noStrike">
                           <a:solidFill>
                             <a:srgbClr val="FFFFFF"/>
                           </a:solidFill>
@@ -12146,19 +12168,19 @@
                 </a:tc>
                 <a:extLst>
                   <a:ext uri="{0D108BD9-81ED-4DB2-BD59-A6C34878D82A}">
-                    <a16:rowId xmlns:a16="http://schemas.microsoft.com/office/drawing/2014/main" val="1875339990"/>
+                    <a16:rowId xmlns:a16="http://schemas.microsoft.com/office/drawing/2014/main" val="2804658393"/>
                   </a:ext>
                 </a:extLst>
               </a:tr>
-              <a:tr h="190500">
+              <a:tr h="238125">
                 <a:tc>
                   <a:txBody>
                     <a:bodyPr/>
                     <a:lstStyle/>
                     <a:p>
-                      <a:pPr algn="ctr" fontAlgn="b"/>
+                      <a:pPr algn="ctr" rtl="0" fontAlgn="b"/>
                       <a:r>
-                        <a:rPr lang="en-GB" sz="1400" b="1" i="0" u="none" strike="noStrike" dirty="0">
+                        <a:rPr lang="en-GB" sz="1400" b="1" i="0" u="none" strike="noStrike">
                           <a:solidFill>
                             <a:srgbClr val="000000"/>
                           </a:solidFill>
@@ -12168,14 +12190,91 @@
                         <a:t>Optimistic</a:t>
                       </a:r>
                       <a:r>
-                        <a:rPr lang="en-GB" sz="1400" b="0" i="0" u="none" strike="noStrike" dirty="0">
+                        <a:rPr lang="en-GB" sz="1400" b="0" i="0" u="none" strike="noStrike">
                           <a:solidFill>
                             <a:srgbClr val="000000"/>
                           </a:solidFill>
                           <a:effectLst/>
                           <a:latin typeface="Aptos Narrow" panose="020B0004020202020204" pitchFamily="34" charset="0"/>
                         </a:rPr>
-                        <a:t> (10th centile)</a:t>
+                        <a:t> (Mean - 1</a:t>
+                      </a:r>
+                      <a:r>
+                        <a:rPr lang="el-GR" sz="1400" b="0" i="0" u="none" strike="noStrike">
+                          <a:solidFill>
+                            <a:srgbClr val="000000"/>
+                          </a:solidFill>
+                          <a:effectLst/>
+                          <a:latin typeface="Aptos Narrow" panose="020B0004020202020204" pitchFamily="34" charset="0"/>
+                        </a:rPr>
+                        <a:t>σ)</a:t>
+                      </a:r>
+                      <a:endParaRPr lang="el-GR" sz="1400" b="1" i="0" u="none" strike="noStrike">
+                        <a:solidFill>
+                          <a:srgbClr val="000000"/>
+                        </a:solidFill>
+                        <a:effectLst/>
+                        <a:latin typeface="Aptos Narrow" panose="020B0004020202020204" pitchFamily="34" charset="0"/>
+                      </a:endParaRPr>
+                    </a:p>
+                  </a:txBody>
+                  <a:tcPr marL="9525" marR="9525" marT="9525" marB="0" anchor="b">
+                    <a:lnL w="6350" cap="flat" cmpd="sng" algn="ctr">
+                      <a:solidFill>
+                        <a:srgbClr val="000000"/>
+                      </a:solidFill>
+                      <a:prstDash val="solid"/>
+                      <a:round/>
+                      <a:headEnd type="none" w="med" len="med"/>
+                      <a:tailEnd type="none" w="med" len="med"/>
+                    </a:lnL>
+                    <a:lnR w="6350" cap="flat" cmpd="sng" algn="ctr">
+                      <a:solidFill>
+                        <a:srgbClr val="000000"/>
+                      </a:solidFill>
+                      <a:prstDash val="solid"/>
+                      <a:round/>
+                      <a:headEnd type="none" w="med" len="med"/>
+                      <a:tailEnd type="none" w="med" len="med"/>
+                    </a:lnR>
+                    <a:lnT w="6350" cap="flat" cmpd="sng" algn="ctr">
+                      <a:solidFill>
+                        <a:srgbClr val="000000"/>
+                      </a:solidFill>
+                      <a:prstDash val="solid"/>
+                      <a:round/>
+                      <a:headEnd type="none" w="med" len="med"/>
+                      <a:tailEnd type="none" w="med" len="med"/>
+                    </a:lnT>
+                    <a:lnB w="6350" cap="flat" cmpd="sng" algn="ctr">
+                      <a:solidFill>
+                        <a:srgbClr val="000000"/>
+                      </a:solidFill>
+                      <a:prstDash val="solid"/>
+                      <a:round/>
+                      <a:headEnd type="none" w="med" len="med"/>
+                      <a:tailEnd type="none" w="med" len="med"/>
+                    </a:lnB>
+                    <a:solidFill>
+                      <a:srgbClr val="C6EFCE"/>
+                    </a:solidFill>
+                  </a:tcPr>
+                </a:tc>
+                <a:tc>
+                  <a:txBody>
+                    <a:bodyPr/>
+                    <a:lstStyle/>
+                    <a:p>
+                      <a:pPr algn="ctr" rtl="0" fontAlgn="b"/>
+                      <a:r>
+                        <a:rPr lang="en-GB" sz="1400" b="0" i="0" u="none" strike="noStrike">
+                          <a:solidFill>
+                            <a:srgbClr val="000000"/>
+                          </a:solidFill>
+                          <a:effectLst/>
+                          <a:latin typeface="Aptos Narrow" panose="020B0004020202020204" pitchFamily="34" charset="0"/>
+                        </a:rPr>
+                        <a:t>0%</a:t>
                       </a:r>
                     </a:p>
                   </a:txBody>
@@ -12226,9 +12325,9 @@
                     <a:bodyPr/>
                     <a:lstStyle/>
                     <a:p>
-                      <a:pPr algn="ctr" fontAlgn="b"/>
+                      <a:pPr algn="ctr" rtl="0" fontAlgn="b"/>
                       <a:r>
-                        <a:rPr lang="en-GB" sz="1400" b="0" i="0" u="none" strike="noStrike" dirty="0">
+                        <a:rPr lang="en-GB" sz="1400" b="0" i="0" u="none" strike="noStrike">
                           <a:solidFill>
                             <a:srgbClr val="000000"/>
                           </a:solidFill>
@@ -12286,16 +12385,16 @@
                     <a:bodyPr/>
                     <a:lstStyle/>
                     <a:p>
-                      <a:pPr algn="ctr" fontAlgn="b"/>
+                      <a:pPr algn="ctr" rtl="0" fontAlgn="b"/>
                       <a:r>
-                        <a:rPr lang="en-GB" sz="1400" b="0" i="0" u="none" strike="noStrike" dirty="0">
+                        <a:rPr lang="en-GB" sz="1400" b="0" i="0" u="none" strike="noStrike">
                           <a:solidFill>
                             <a:srgbClr val="000000"/>
                           </a:solidFill>
                           <a:effectLst/>
                           <a:latin typeface="Aptos Narrow" panose="020B0004020202020204" pitchFamily="34" charset="0"/>
                         </a:rPr>
-                        <a:t>2%</a:t>
+                        <a:t>-4%</a:t>
                       </a:r>
                     </a:p>
                   </a:txBody>
@@ -12346,76 +12445,16 @@
                     <a:bodyPr/>
                     <a:lstStyle/>
                     <a:p>
-                      <a:pPr algn="ctr" fontAlgn="b"/>
+                      <a:pPr algn="ctr" rtl="0" fontAlgn="b"/>
                       <a:r>
-                        <a:rPr lang="en-GB" sz="1400" b="0" i="0" u="none" strike="noStrike" dirty="0">
+                        <a:rPr lang="en-GB" sz="1400" b="0" i="0" u="none" strike="noStrike">
                           <a:solidFill>
                             <a:srgbClr val="000000"/>
                           </a:solidFill>
                           <a:effectLst/>
                           <a:latin typeface="Aptos Narrow" panose="020B0004020202020204" pitchFamily="34" charset="0"/>
                         </a:rPr>
-                        <a:t>25%</a:t>
-                      </a:r>
-                    </a:p>
-                  </a:txBody>
-                  <a:tcPr marL="9525" marR="9525" marT="9525" marB="0" anchor="b">
-                    <a:lnL w="6350" cap="flat" cmpd="sng" algn="ctr">
-                      <a:solidFill>
-                        <a:srgbClr val="000000"/>
-                      </a:solidFill>
-                      <a:prstDash val="solid"/>
-                      <a:round/>
-                      <a:headEnd type="none" w="med" len="med"/>
-                      <a:tailEnd type="none" w="med" len="med"/>
-                    </a:lnL>
-                    <a:lnR w="6350" cap="flat" cmpd="sng" algn="ctr">
-                      <a:solidFill>
-                        <a:srgbClr val="000000"/>
-                      </a:solidFill>
-                      <a:prstDash val="solid"/>
-                      <a:round/>
-                      <a:headEnd type="none" w="med" len="med"/>
-                      <a:tailEnd type="none" w="med" len="med"/>
-                    </a:lnR>
-                    <a:lnT w="6350" cap="flat" cmpd="sng" algn="ctr">
-                      <a:solidFill>
-                        <a:srgbClr val="000000"/>
-                      </a:solidFill>
-                      <a:prstDash val="solid"/>
-                      <a:round/>
-                      <a:headEnd type="none" w="med" len="med"/>
-                      <a:tailEnd type="none" w="med" len="med"/>
-                    </a:lnT>
-                    <a:lnB w="6350" cap="flat" cmpd="sng" algn="ctr">
-                      <a:solidFill>
-                        <a:srgbClr val="000000"/>
-                      </a:solidFill>
-                      <a:prstDash val="solid"/>
-                      <a:round/>
-                      <a:headEnd type="none" w="med" len="med"/>
-                      <a:tailEnd type="none" w="med" len="med"/>
-                    </a:lnB>
-                    <a:solidFill>
-                      <a:srgbClr val="C6EFCE"/>
-                    </a:solidFill>
-                  </a:tcPr>
-                </a:tc>
-                <a:tc>
-                  <a:txBody>
-                    <a:bodyPr/>
-                    <a:lstStyle/>
-                    <a:p>
-                      <a:pPr algn="ctr" fontAlgn="b"/>
-                      <a:r>
-                        <a:rPr lang="en-GB" sz="1400" b="0" i="0" u="none" strike="noStrike" dirty="0">
-                          <a:solidFill>
-                            <a:srgbClr val="000000"/>
-                          </a:solidFill>
-                          <a:effectLst/>
-                          <a:latin typeface="Aptos Narrow" panose="020B0004020202020204" pitchFamily="34" charset="0"/>
-                        </a:rPr>
-                        <a:t>88%</a:t>
+                        <a:t>-7%</a:t>
                       </a:r>
                     </a:p>
                   </a:txBody>
@@ -12463,19 +12502,19 @@
                 </a:tc>
                 <a:extLst>
                   <a:ext uri="{0D108BD9-81ED-4DB2-BD59-A6C34878D82A}">
-                    <a16:rowId xmlns:a16="http://schemas.microsoft.com/office/drawing/2014/main" val="2157906985"/>
+                    <a16:rowId xmlns:a16="http://schemas.microsoft.com/office/drawing/2014/main" val="1868985780"/>
                   </a:ext>
                 </a:extLst>
               </a:tr>
-              <a:tr h="190500">
+              <a:tr h="238125">
                 <a:tc>
                   <a:txBody>
                     <a:bodyPr/>
                     <a:lstStyle/>
                     <a:p>
-                      <a:pPr algn="ctr" fontAlgn="b"/>
+                      <a:pPr algn="ctr" rtl="0" fontAlgn="b"/>
                       <a:r>
-                        <a:rPr lang="en-GB" sz="1400" b="1" i="0" u="none" strike="noStrike" dirty="0">
+                        <a:rPr lang="en-GB" sz="1400" b="1" i="0" u="none" strike="noStrike">
                           <a:solidFill>
                             <a:srgbClr val="000000"/>
                           </a:solidFill>
@@ -12485,14 +12524,81 @@
                         <a:t>Neutral</a:t>
                       </a:r>
                       <a:r>
-                        <a:rPr lang="en-GB" sz="1400" b="0" i="0" u="none" strike="noStrike" dirty="0">
+                        <a:rPr lang="en-GB" sz="1400" b="0" i="0" u="none" strike="noStrike">
                           <a:solidFill>
                             <a:srgbClr val="000000"/>
                           </a:solidFill>
                           <a:effectLst/>
                           <a:latin typeface="Aptos Narrow" panose="020B0004020202020204" pitchFamily="34" charset="0"/>
                         </a:rPr>
-                        <a:t> (average)</a:t>
+                        <a:t> (Mean)</a:t>
+                      </a:r>
+                      <a:endParaRPr lang="en-GB" sz="1400" b="1" i="0" u="none" strike="noStrike">
+                        <a:solidFill>
+                          <a:srgbClr val="000000"/>
+                        </a:solidFill>
+                        <a:effectLst/>
+                        <a:latin typeface="Aptos Narrow" panose="020B0004020202020204" pitchFamily="34" charset="0"/>
+                      </a:endParaRPr>
+                    </a:p>
+                  </a:txBody>
+                  <a:tcPr marL="9525" marR="9525" marT="9525" marB="0" anchor="b">
+                    <a:lnL w="6350" cap="flat" cmpd="sng" algn="ctr">
+                      <a:solidFill>
+                        <a:srgbClr val="000000"/>
+                      </a:solidFill>
+                      <a:prstDash val="solid"/>
+                      <a:round/>
+                      <a:headEnd type="none" w="med" len="med"/>
+                      <a:tailEnd type="none" w="med" len="med"/>
+                    </a:lnL>
+                    <a:lnR w="6350" cap="flat" cmpd="sng" algn="ctr">
+                      <a:solidFill>
+                        <a:srgbClr val="000000"/>
+                      </a:solidFill>
+                      <a:prstDash val="solid"/>
+                      <a:round/>
+                      <a:headEnd type="none" w="med" len="med"/>
+                      <a:tailEnd type="none" w="med" len="med"/>
+                    </a:lnR>
+                    <a:lnT w="6350" cap="flat" cmpd="sng" algn="ctr">
+                      <a:solidFill>
+                        <a:srgbClr val="000000"/>
+                      </a:solidFill>
+                      <a:prstDash val="solid"/>
+                      <a:round/>
+                      <a:headEnd type="none" w="med" len="med"/>
+                      <a:tailEnd type="none" w="med" len="med"/>
+                    </a:lnT>
+                    <a:lnB w="6350" cap="flat" cmpd="sng" algn="ctr">
+                      <a:solidFill>
+                        <a:srgbClr val="000000"/>
+                      </a:solidFill>
+                      <a:prstDash val="solid"/>
+                      <a:round/>
+                      <a:headEnd type="none" w="med" len="med"/>
+                      <a:tailEnd type="none" w="med" len="med"/>
+                    </a:lnB>
+                    <a:solidFill>
+                      <a:srgbClr val="FFFFFF"/>
+                    </a:solidFill>
+                  </a:tcPr>
+                </a:tc>
+                <a:tc>
+                  <a:txBody>
+                    <a:bodyPr/>
+                    <a:lstStyle/>
+                    <a:p>
+                      <a:pPr algn="ctr" rtl="0" fontAlgn="b"/>
+                      <a:r>
+                        <a:rPr lang="en-GB" sz="1400" b="0" i="0" u="none" strike="noStrike">
+                          <a:solidFill>
+                            <a:srgbClr val="000000"/>
+                          </a:solidFill>
+                          <a:effectLst/>
+                          <a:latin typeface="Aptos Narrow" panose="020B0004020202020204" pitchFamily="34" charset="0"/>
+                        </a:rPr>
+                        <a:t>8%</a:t>
                       </a:r>
                     </a:p>
                   </a:txBody>
@@ -12533,9 +12639,7 @@
                       <a:headEnd type="none" w="med" len="med"/>
                       <a:tailEnd type="none" w="med" len="med"/>
                     </a:lnB>
-                    <a:solidFill>
-                      <a:schemeClr val="bg1"/>
-                    </a:solidFill>
+                    <a:noFill/>
                   </a:tcPr>
                 </a:tc>
                 <a:tc>
@@ -12543,7 +12647,7 @@
                     <a:bodyPr/>
                     <a:lstStyle/>
                     <a:p>
-                      <a:pPr algn="ctr" fontAlgn="b"/>
+                      <a:pPr algn="ctr" rtl="0" fontAlgn="b"/>
                       <a:r>
                         <a:rPr lang="en-GB" sz="1400" b="0" i="0" u="none" strike="noStrike">
                           <a:solidFill>
@@ -12552,7 +12656,7 @@
                           <a:effectLst/>
                           <a:latin typeface="Aptos Narrow" panose="020B0004020202020204" pitchFamily="34" charset="0"/>
                         </a:rPr>
-                        <a:t>9%</a:t>
+                        <a:t>56%</a:t>
                       </a:r>
                     </a:p>
                   </a:txBody>
@@ -12593,9 +12697,7 @@
                       <a:headEnd type="none" w="med" len="med"/>
                       <a:tailEnd type="none" w="med" len="med"/>
                     </a:lnB>
-                    <a:solidFill>
-                      <a:schemeClr val="bg1"/>
-                    </a:solidFill>
+                    <a:noFill/>
                   </a:tcPr>
                 </a:tc>
                 <a:tc>
@@ -12603,7 +12705,7 @@
                     <a:bodyPr/>
                     <a:lstStyle/>
                     <a:p>
-                      <a:pPr algn="ctr" fontAlgn="b"/>
+                      <a:pPr algn="ctr" rtl="0" fontAlgn="b"/>
                       <a:r>
                         <a:rPr lang="en-GB" sz="1400" b="0" i="0" u="none" strike="noStrike">
                           <a:solidFill>
@@ -12612,7 +12714,7 @@
                           <a:effectLst/>
                           <a:latin typeface="Aptos Narrow" panose="020B0004020202020204" pitchFamily="34" charset="0"/>
                         </a:rPr>
-                        <a:t>80%</a:t>
+                        <a:t>100%</a:t>
                       </a:r>
                     </a:p>
                   </a:txBody>
@@ -12653,9 +12755,7 @@
                       <a:headEnd type="none" w="med" len="med"/>
                       <a:tailEnd type="none" w="med" len="med"/>
                     </a:lnB>
-                    <a:solidFill>
-                      <a:schemeClr val="bg1"/>
-                    </a:solidFill>
+                    <a:noFill/>
                   </a:tcPr>
                 </a:tc>
                 <a:tc>
@@ -12663,7 +12763,7 @@
                     <a:bodyPr/>
                     <a:lstStyle/>
                     <a:p>
-                      <a:pPr algn="ctr" fontAlgn="b"/>
+                      <a:pPr algn="ctr" rtl="0" fontAlgn="b"/>
                       <a:r>
                         <a:rPr lang="en-GB" sz="1400" b="0" i="0" u="none" strike="noStrike">
                           <a:solidFill>
@@ -12672,7 +12772,7 @@
                           <a:effectLst/>
                           <a:latin typeface="Aptos Narrow" panose="020B0004020202020204" pitchFamily="34" charset="0"/>
                         </a:rPr>
-                        <a:t>184%</a:t>
+                        <a:t>128%</a:t>
                       </a:r>
                     </a:p>
                   </a:txBody>
@@ -12713,27 +12813,59 @@
                       <a:headEnd type="none" w="med" len="med"/>
                       <a:tailEnd type="none" w="med" len="med"/>
                     </a:lnB>
-                    <a:solidFill>
-                      <a:schemeClr val="bg1"/>
-                    </a:solidFill>
+                    <a:noFill/>
                   </a:tcPr>
                 </a:tc>
+                <a:extLst>
+                  <a:ext uri="{0D108BD9-81ED-4DB2-BD59-A6C34878D82A}">
+                    <a16:rowId xmlns:a16="http://schemas.microsoft.com/office/drawing/2014/main" val="2390712686"/>
+                  </a:ext>
+                </a:extLst>
+              </a:tr>
+              <a:tr h="238125">
                 <a:tc>
                   <a:txBody>
                     <a:bodyPr/>
                     <a:lstStyle/>
                     <a:p>
-                      <a:pPr algn="ctr" fontAlgn="b"/>
+                      <a:pPr algn="ctr" rtl="0" fontAlgn="b"/>
                       <a:r>
-                        <a:rPr lang="en-GB" sz="1400" b="0" i="0" u="none" strike="noStrike" dirty="0">
+                        <a:rPr lang="en-GB" sz="1400" b="1" i="0" u="none" strike="noStrike">
                           <a:solidFill>
                             <a:srgbClr val="000000"/>
                           </a:solidFill>
                           <a:effectLst/>
                           <a:latin typeface="Aptos Narrow" panose="020B0004020202020204" pitchFamily="34" charset="0"/>
                         </a:rPr>
-                        <a:t>324%</a:t>
+                        <a:t>Pessimistic </a:t>
                       </a:r>
+                      <a:r>
+                        <a:rPr lang="en-GB" sz="1400" b="0" i="0" u="none" strike="noStrike">
+                          <a:solidFill>
+                            <a:srgbClr val="000000"/>
+                          </a:solidFill>
+                          <a:effectLst/>
+                          <a:latin typeface="Aptos Narrow" panose="020B0004020202020204" pitchFamily="34" charset="0"/>
+                        </a:rPr>
+                        <a:t>(Mean + 1</a:t>
+                      </a:r>
+                      <a:r>
+                        <a:rPr lang="el-GR" sz="1400" b="0" i="0" u="none" strike="noStrike">
+                          <a:solidFill>
+                            <a:srgbClr val="000000"/>
+                          </a:solidFill>
+                          <a:effectLst/>
+                          <a:latin typeface="Aptos Narrow" panose="020B0004020202020204" pitchFamily="34" charset="0"/>
+                        </a:rPr>
+                        <a:t>σ)</a:t>
+                      </a:r>
+                      <a:endParaRPr lang="el-GR" sz="1400" b="1" i="0" u="none" strike="noStrike">
+                        <a:solidFill>
+                          <a:srgbClr val="000000"/>
+                        </a:solidFill>
+                        <a:effectLst/>
+                        <a:latin typeface="Aptos Narrow" panose="020B0004020202020204" pitchFamily="34" charset="0"/>
+                      </a:endParaRPr>
                     </a:p>
                   </a:txBody>
                   <a:tcPr marL="9525" marR="9525" marT="9525" marB="0" anchor="b">
@@ -12774,42 +12906,25 @@
                       <a:tailEnd type="none" w="med" len="med"/>
                     </a:lnB>
                     <a:solidFill>
-                      <a:schemeClr val="bg1"/>
+                      <a:srgbClr val="FFC7CE"/>
                     </a:solidFill>
                   </a:tcPr>
                 </a:tc>
-                <a:extLst>
-                  <a:ext uri="{0D108BD9-81ED-4DB2-BD59-A6C34878D82A}">
-                    <a16:rowId xmlns:a16="http://schemas.microsoft.com/office/drawing/2014/main" val="1934355819"/>
-                  </a:ext>
-                </a:extLst>
-              </a:tr>
-              <a:tr h="190500">
                 <a:tc>
                   <a:txBody>
                     <a:bodyPr/>
                     <a:lstStyle/>
                     <a:p>
-                      <a:pPr algn="ctr" fontAlgn="b"/>
+                      <a:pPr algn="ctr" rtl="0" fontAlgn="b"/>
                       <a:r>
-                        <a:rPr lang="en-GB" sz="1400" b="1" i="0" u="none" strike="noStrike" dirty="0">
+                        <a:rPr lang="en-GB" sz="1400" b="0" i="0" u="none" strike="noStrike">
                           <a:solidFill>
                             <a:srgbClr val="000000"/>
                           </a:solidFill>
                           <a:effectLst/>
                           <a:latin typeface="Aptos Narrow" panose="020B0004020202020204" pitchFamily="34" charset="0"/>
                         </a:rPr>
-                        <a:t>Pessimistic</a:t>
-                      </a:r>
-                      <a:r>
-                        <a:rPr lang="en-GB" sz="1400" b="0" i="0" u="none" strike="noStrike" dirty="0">
-                          <a:solidFill>
-                            <a:srgbClr val="000000"/>
-                          </a:solidFill>
-                          <a:effectLst/>
-                          <a:latin typeface="Aptos Narrow" panose="020B0004020202020204" pitchFamily="34" charset="0"/>
-                        </a:rPr>
-                        <a:t> (90th centile)</a:t>
+                        <a:t>17%</a:t>
                       </a:r>
                     </a:p>
                   </a:txBody>
@@ -12860,16 +12975,16 @@
                     <a:bodyPr/>
                     <a:lstStyle/>
                     <a:p>
-                      <a:pPr algn="ctr" fontAlgn="b"/>
+                      <a:pPr algn="ctr" rtl="0" fontAlgn="b"/>
                       <a:r>
-                        <a:rPr lang="en-GB" sz="1400" b="0" i="0" u="none" strike="noStrike" dirty="0">
+                        <a:rPr lang="en-GB" sz="1400" b="0" i="0" u="none" strike="noStrike">
                           <a:solidFill>
                             <a:srgbClr val="000000"/>
                           </a:solidFill>
                           <a:effectLst/>
                           <a:latin typeface="Aptos Narrow" panose="020B0004020202020204" pitchFamily="34" charset="0"/>
                         </a:rPr>
-                        <a:t>20%</a:t>
+                        <a:t>114%</a:t>
                       </a:r>
                     </a:p>
                   </a:txBody>
@@ -12920,16 +13035,16 @@
                     <a:bodyPr/>
                     <a:lstStyle/>
                     <a:p>
-                      <a:pPr algn="ctr" fontAlgn="b"/>
+                      <a:pPr algn="ctr" rtl="0" fontAlgn="b"/>
                       <a:r>
-                        <a:rPr lang="en-GB" sz="1400" b="0" i="0" u="none" strike="noStrike" dirty="0">
+                        <a:rPr lang="en-GB" sz="1400" b="0" i="0" u="none" strike="noStrike">
                           <a:solidFill>
                             <a:srgbClr val="000000"/>
                           </a:solidFill>
                           <a:effectLst/>
                           <a:latin typeface="Aptos Narrow" panose="020B0004020202020204" pitchFamily="34" charset="0"/>
                         </a:rPr>
-                        <a:t>175%</a:t>
+                        <a:t>205%</a:t>
                       </a:r>
                     </a:p>
                   </a:txBody>
@@ -12980,7 +13095,7 @@
                     <a:bodyPr/>
                     <a:lstStyle/>
                     <a:p>
-                      <a:pPr algn="ctr" fontAlgn="b"/>
+                      <a:pPr algn="ctr" rtl="0" fontAlgn="b"/>
                       <a:r>
                         <a:rPr lang="en-GB" sz="1400" b="0" i="0" u="none" strike="noStrike" dirty="0">
                           <a:solidFill>
@@ -12989,67 +13104,7 @@
                           <a:effectLst/>
                           <a:latin typeface="Aptos Narrow" panose="020B0004020202020204" pitchFamily="34" charset="0"/>
                         </a:rPr>
-                        <a:t>375%</a:t>
-                      </a:r>
-                    </a:p>
-                  </a:txBody>
-                  <a:tcPr marL="9525" marR="9525" marT="9525" marB="0" anchor="b">
-                    <a:lnL w="6350" cap="flat" cmpd="sng" algn="ctr">
-                      <a:solidFill>
-                        <a:srgbClr val="000000"/>
-                      </a:solidFill>
-                      <a:prstDash val="solid"/>
-                      <a:round/>
-                      <a:headEnd type="none" w="med" len="med"/>
-                      <a:tailEnd type="none" w="med" len="med"/>
-                    </a:lnL>
-                    <a:lnR w="6350" cap="flat" cmpd="sng" algn="ctr">
-                      <a:solidFill>
-                        <a:srgbClr val="000000"/>
-                      </a:solidFill>
-                      <a:prstDash val="solid"/>
-                      <a:round/>
-                      <a:headEnd type="none" w="med" len="med"/>
-                      <a:tailEnd type="none" w="med" len="med"/>
-                    </a:lnR>
-                    <a:lnT w="6350" cap="flat" cmpd="sng" algn="ctr">
-                      <a:solidFill>
-                        <a:srgbClr val="000000"/>
-                      </a:solidFill>
-                      <a:prstDash val="solid"/>
-                      <a:round/>
-                      <a:headEnd type="none" w="med" len="med"/>
-                      <a:tailEnd type="none" w="med" len="med"/>
-                    </a:lnT>
-                    <a:lnB w="6350" cap="flat" cmpd="sng" algn="ctr">
-                      <a:solidFill>
-                        <a:srgbClr val="000000"/>
-                      </a:solidFill>
-                      <a:prstDash val="solid"/>
-                      <a:round/>
-                      <a:headEnd type="none" w="med" len="med"/>
-                      <a:tailEnd type="none" w="med" len="med"/>
-                    </a:lnB>
-                    <a:solidFill>
-                      <a:srgbClr val="FFC7CE"/>
-                    </a:solidFill>
-                  </a:tcPr>
-                </a:tc>
-                <a:tc>
-                  <a:txBody>
-                    <a:bodyPr/>
-                    <a:lstStyle/>
-                    <a:p>
-                      <a:pPr algn="ctr" fontAlgn="b"/>
-                      <a:r>
-                        <a:rPr lang="en-GB" sz="1400" b="0" i="0" u="none" strike="noStrike" dirty="0">
-                          <a:solidFill>
-                            <a:srgbClr val="000000"/>
-                          </a:solidFill>
-                          <a:effectLst/>
-                          <a:latin typeface="Aptos Narrow" panose="020B0004020202020204" pitchFamily="34" charset="0"/>
-                        </a:rPr>
-                        <a:t>573%</a:t>
+                        <a:t>264%</a:t>
                       </a:r>
                     </a:p>
                   </a:txBody>
@@ -13097,7 +13152,7 @@
                 </a:tc>
                 <a:extLst>
                   <a:ext uri="{0D108BD9-81ED-4DB2-BD59-A6C34878D82A}">
-                    <a16:rowId xmlns:a16="http://schemas.microsoft.com/office/drawing/2014/main" val="3506307174"/>
+                    <a16:rowId xmlns:a16="http://schemas.microsoft.com/office/drawing/2014/main" val="918674245"/>
                   </a:ext>
                 </a:extLst>
               </a:tr>
@@ -13198,7 +13253,7 @@
           </a:bodyPr>
           <a:lstStyle/>
           <a:p>
-            <a:pPr>
+            <a:pPr algn="just">
               <a:lnSpc>
                 <a:spcPct val="120000"/>
               </a:lnSpc>
@@ -13209,7 +13264,7 @@
             </a:r>
           </a:p>
           <a:p>
-            <a:pPr>
+            <a:pPr algn="just">
               <a:lnSpc>
                 <a:spcPct val="120000"/>
               </a:lnSpc>
@@ -13221,18 +13276,27 @@
             <a:endParaRPr lang="en-GB" sz="1300" noProof="0" dirty="0"/>
           </a:p>
           <a:p>
-            <a:pPr>
+            <a:pPr algn="just">
               <a:lnSpc>
                 <a:spcPct val="120000"/>
               </a:lnSpc>
             </a:pPr>
             <a:r>
               <a:rPr lang="en-GB" sz="1300" noProof="0" dirty="0"/>
-              <a:t>Model Improvements includes scenario planning, implementing other modelling factors such as activity mitigators and planned service changes.</a:t>
+              <a:t>Model Improvements includes implementing other modelling factors such as activity mitigators and planned service changes. Additionally, forecasting at a more granular level, for example </a:t>
             </a:r>
-          </a:p>
-          <a:p>
-            <a:pPr>
+            <a:r>
+              <a:rPr lang="en-GB" sz="1300" dirty="0"/>
+              <a:t>the different types of attendances: </a:t>
+            </a:r>
+            <a:r>
+              <a:rPr lang="en-US" sz="1300" dirty="0"/>
+              <a:t>Type 1, Type 2 and Other A&amp;E Department.</a:t>
+            </a:r>
+            <a:endParaRPr lang="en-GB" sz="1300" noProof="0" dirty="0"/>
+          </a:p>
+          <a:p>
+            <a:pPr algn="just">
               <a:lnSpc>
                 <a:spcPct val="120000"/>
               </a:lnSpc>
@@ -13243,7 +13307,7 @@
             </a:r>
           </a:p>
           <a:p>
-            <a:pPr>
+            <a:pPr algn="just">
               <a:lnSpc>
                 <a:spcPct val="120000"/>
               </a:lnSpc>

--- a/marcos_fabietti_Predicting_A&E_Demand.pptx
+++ b/marcos_fabietti_Predicting_A&E_Demand.pptx
@@ -11054,9 +11054,7 @@
             <a:avLst/>
           </a:prstGeom>
           <a:ln>
-            <a:solidFill>
-              <a:srgbClr val="215F9A"/>
-            </a:solidFill>
+            <a:noFill/>
           </a:ln>
         </p:spPr>
       </p:pic>

--- a/marcos_fabietti_Predicting_A&E_Demand.pptx
+++ b/marcos_fabietti_Predicting_A&E_Demand.pptx
@@ -1055,7 +1055,7 @@
         <a:p>
           <a:r>
             <a:rPr lang="en-GB" b="1" noProof="0" dirty="0"/>
-            <a:t>Population growth:</a:t>
+            <a:t>Population Growth:</a:t>
           </a:r>
           <a:endParaRPr lang="en-GB" noProof="0" dirty="0"/>
         </a:p>
@@ -1211,7 +1211,7 @@
         <a:p>
           <a:r>
             <a:rPr lang="en-GB" b="1" noProof="0" dirty="0"/>
-            <a:t>Planned service changes </a:t>
+            <a:t>Planned service changes: </a:t>
           </a:r>
           <a:endParaRPr lang="en-GB" noProof="0" dirty="0"/>
         </a:p>
@@ -1849,7 +1849,7 @@
           </a:pPr>
           <a:r>
             <a:rPr lang="en-GB" sz="1600" b="1" kern="1200" noProof="0" dirty="0"/>
-            <a:t>Population growth:</a:t>
+            <a:t>Population Growth:</a:t>
           </a:r>
           <a:endParaRPr lang="en-GB" sz="1600" kern="1200" noProof="0" dirty="0"/>
         </a:p>
@@ -2251,7 +2251,7 @@
           </a:pPr>
           <a:r>
             <a:rPr lang="en-GB" sz="1600" b="1" kern="1200" noProof="0" dirty="0"/>
-            <a:t>Planned service changes </a:t>
+            <a:t>Planned service changes: </a:t>
           </a:r>
           <a:endParaRPr lang="en-GB" sz="1600" kern="1200" noProof="0" dirty="0"/>
         </a:p>
@@ -10876,7 +10876,7 @@
             </a:pPr>
             <a:r>
               <a:rPr lang="en-GB" sz="2300" noProof="0" dirty="0"/>
-              <a:t>“Success”: positive impact (of the project)</a:t>
+              <a:t>“Success”: positive impact (of the project):</a:t>
             </a:r>
           </a:p>
           <a:p>
@@ -10900,7 +10900,7 @@
             </a:pPr>
             <a:r>
               <a:rPr lang="en-GB" sz="2300" noProof="0" dirty="0"/>
-              <a:t>Stakeholders don’t ask for “models”, they want actionable insights</a:t>
+              <a:t>Stakeholders don’t ask for “models”, they want actionable insights:</a:t>
             </a:r>
           </a:p>
           <a:p>
@@ -11416,7 +11416,7 @@
           <p:nvPr>
             <p:extLst>
               <p:ext uri="{D42A27DB-BD31-4B8C-83A1-F6EECF244321}">
-                <p14:modId xmlns:p14="http://schemas.microsoft.com/office/powerpoint/2010/main" val="170779429"/>
+                <p14:modId xmlns:p14="http://schemas.microsoft.com/office/powerpoint/2010/main" val="509890822"/>
               </p:ext>
             </p:extLst>
           </p:nvPr>
@@ -13269,7 +13269,7 @@
             </a:pPr>
             <a:r>
               <a:rPr lang="en-US" sz="1300" noProof="0" dirty="0"/>
-              <a:t>Validating the accuracy and reliability of predictions would build further confidence in the results would be key for its use and adoption.</a:t>
+              <a:t>Validating the accuracy and reliability of predictions, and benchmarking against other methods, would build further confidence in the results would be key for its use and adoption.</a:t>
             </a:r>
             <a:endParaRPr lang="en-GB" sz="1300" noProof="0" dirty="0"/>
           </a:p>
